--- a/DOCS/JobUp.pptx
+++ b/DOCS/JobUp.pptx
@@ -5,20 +5,20 @@
     <p:sldMasterId id="2147483648" r:id="rId1"/>
   </p:sldMasterIdLst>
   <p:sldIdLst>
-    <p:sldId id="256" r:id="rId2"/>
-    <p:sldId id="257" r:id="rId3"/>
-    <p:sldId id="258" r:id="rId4"/>
-    <p:sldId id="267" r:id="rId5"/>
-    <p:sldId id="269" r:id="rId6"/>
-    <p:sldId id="270" r:id="rId7"/>
-    <p:sldId id="271" r:id="rId8"/>
-    <p:sldId id="272" r:id="rId9"/>
-    <p:sldId id="273" r:id="rId10"/>
-    <p:sldId id="274" r:id="rId11"/>
-    <p:sldId id="275" r:id="rId12"/>
-    <p:sldId id="276" r:id="rId13"/>
-    <p:sldId id="277" r:id="rId14"/>
-    <p:sldId id="278" r:id="rId15"/>
+    <p:sldId id="256" r:id="rId3"/>
+    <p:sldId id="257" r:id="rId4"/>
+    <p:sldId id="258" r:id="rId5"/>
+    <p:sldId id="267" r:id="rId6"/>
+    <p:sldId id="269" r:id="rId7"/>
+    <p:sldId id="270" r:id="rId8"/>
+    <p:sldId id="271" r:id="rId9"/>
+    <p:sldId id="272" r:id="rId10"/>
+    <p:sldId id="273" r:id="rId11"/>
+    <p:sldId id="274" r:id="rId12"/>
+    <p:sldId id="275" r:id="rId13"/>
+    <p:sldId id="276" r:id="rId14"/>
+    <p:sldId id="277" r:id="rId15"/>
+    <p:sldId id="278" r:id="rId16"/>
   </p:sldIdLst>
   <p:sldSz cx="12192000" cy="6858000"/>
   <p:notesSz cx="6858000" cy="9144000"/>
@@ -117,20 +117,11 @@
       </a:defRPr>
     </a:lvl9pPr>
   </p:defaultTextStyle>
-  <p:extLst>
-    <p:ext uri="{EFAFB233-063F-42B5-8137-9DF3F51BA10A}">
-      <p15:sldGuideLst xmlns:p15="http://schemas.microsoft.com/office/powerpoint/2012/main"/>
-    </p:ext>
-  </p:extLst>
 </p:presentation>
 </file>
 
-<file path=ppt/revisionInfo.xml><?xml version="1.0" encoding="utf-8"?>
-<p1510:revInfo xmlns:a="http://schemas.openxmlformats.org/drawingml/2006/main" xmlns:r="http://schemas.openxmlformats.org/officeDocument/2006/relationships" xmlns:p1510="http://schemas.microsoft.com/office/powerpoint/2015/10/main"/>
-</file>
-
 <file path=ppt/slideLayouts/slideLayout1.xml><?xml version="1.0" encoding="utf-8"?>
-<p:sldLayout xmlns:a="http://schemas.openxmlformats.org/drawingml/2006/main" xmlns:r="http://schemas.openxmlformats.org/officeDocument/2006/relationships" xmlns:p="http://schemas.openxmlformats.org/presentationml/2006/main" showMasterSp="0" type="title" preserve="1">
+<p:sldLayout xmlns:a="http://schemas.openxmlformats.org/drawingml/2006/main" xmlns:r="http://schemas.openxmlformats.org/officeDocument/2006/relationships" xmlns:p="http://schemas.openxmlformats.org/presentationml/2006/main" type="title" preserve="1" showMasterSp="0">
   <p:cSld name="Slide de Título">
     <p:spTree>
       <p:nvGrpSpPr>
@@ -177,15 +168,6 @@
             <a:avLst/>
           </a:prstGeom>
           <a:noFill/>
-          <a:extLst>
-            <a:ext uri="{909E8E84-426E-40dd-AFC4-6F175D3DCCD1}">
-              <a14:hiddenFill xmlns:a14="http://schemas.microsoft.com/office/drawing/2010/main" xmlns="">
-                <a:solidFill>
-                  <a:srgbClr val="FFFFFF"/>
-                </a:solidFill>
-              </a14:hiddenFill>
-            </a:ext>
-          </a:extLst>
         </p:spPr>
       </p:pic>
       <p:grpSp>
@@ -237,18 +219,6 @@
             <a:ln>
               <a:noFill/>
             </a:ln>
-            <a:extLst>
-              <a:ext uri="{91240B29-F687-4f45-9708-019B960494DF}">
-                <a14:hiddenLine xmlns:a14="http://schemas.microsoft.com/office/drawing/2010/main" xmlns="" w="9525">
-                  <a:solidFill>
-                    <a:srgbClr val="000000"/>
-                  </a:solidFill>
-                  <a:miter lim="800000"/>
-                  <a:headEnd/>
-                  <a:tailEnd/>
-                </a14:hiddenLine>
-              </a:ext>
-            </a:extLst>
           </p:spPr>
         </p:sp>
         <p:sp>
@@ -327,18 +297,6 @@
             <a:ln>
               <a:noFill/>
             </a:ln>
-            <a:extLst>
-              <a:ext uri="{91240B29-F687-4f45-9708-019B960494DF}">
-                <a14:hiddenLine xmlns:a14="http://schemas.microsoft.com/office/drawing/2010/main" xmlns="" w="9525">
-                  <a:solidFill>
-                    <a:srgbClr val="000000"/>
-                  </a:solidFill>
-                  <a:round/>
-                  <a:headEnd/>
-                  <a:tailEnd/>
-                </a14:hiddenLine>
-              </a:ext>
-            </a:extLst>
           </p:spPr>
         </p:sp>
         <p:sp>
@@ -417,18 +375,6 @@
             <a:ln>
               <a:noFill/>
             </a:ln>
-            <a:extLst>
-              <a:ext uri="{91240B29-F687-4f45-9708-019B960494DF}">
-                <a14:hiddenLine xmlns:a14="http://schemas.microsoft.com/office/drawing/2010/main" xmlns="" w="9525">
-                  <a:solidFill>
-                    <a:srgbClr val="000000"/>
-                  </a:solidFill>
-                  <a:round/>
-                  <a:headEnd/>
-                  <a:tailEnd/>
-                </a14:hiddenLine>
-              </a:ext>
-            </a:extLst>
           </p:spPr>
         </p:sp>
         <p:sp>
@@ -451,18 +397,6 @@
             <a:ln>
               <a:noFill/>
             </a:ln>
-            <a:extLst>
-              <a:ext uri="{91240B29-F687-4f45-9708-019B960494DF}">
-                <a14:hiddenLine xmlns:a14="http://schemas.microsoft.com/office/drawing/2010/main" xmlns="" w="9525">
-                  <a:solidFill>
-                    <a:srgbClr val="000000"/>
-                  </a:solidFill>
-                  <a:miter lim="800000"/>
-                  <a:headEnd/>
-                  <a:tailEnd/>
-                </a14:hiddenLine>
-              </a:ext>
-            </a:extLst>
           </p:spPr>
         </p:sp>
         <p:sp>
@@ -541,18 +475,6 @@
             <a:ln>
               <a:noFill/>
             </a:ln>
-            <a:extLst>
-              <a:ext uri="{91240B29-F687-4f45-9708-019B960494DF}">
-                <a14:hiddenLine xmlns:a14="http://schemas.microsoft.com/office/drawing/2010/main" xmlns="" w="9525">
-                  <a:solidFill>
-                    <a:srgbClr val="000000"/>
-                  </a:solidFill>
-                  <a:round/>
-                  <a:headEnd/>
-                  <a:tailEnd/>
-                </a14:hiddenLine>
-              </a:ext>
-            </a:extLst>
           </p:spPr>
         </p:sp>
         <p:sp>
@@ -603,18 +525,6 @@
             <a:ln>
               <a:noFill/>
             </a:ln>
-            <a:extLst>
-              <a:ext uri="{91240B29-F687-4f45-9708-019B960494DF}">
-                <a14:hiddenLine xmlns:a14="http://schemas.microsoft.com/office/drawing/2010/main" xmlns="" w="9525">
-                  <a:solidFill>
-                    <a:srgbClr val="000000"/>
-                  </a:solidFill>
-                  <a:round/>
-                  <a:headEnd/>
-                  <a:tailEnd/>
-                </a14:hiddenLine>
-              </a:ext>
-            </a:extLst>
           </p:spPr>
         </p:sp>
         <p:sp>
@@ -665,18 +575,6 @@
             <a:ln>
               <a:noFill/>
             </a:ln>
-            <a:extLst>
-              <a:ext uri="{91240B29-F687-4f45-9708-019B960494DF}">
-                <a14:hiddenLine xmlns:a14="http://schemas.microsoft.com/office/drawing/2010/main" xmlns="" w="9525">
-                  <a:solidFill>
-                    <a:srgbClr val="000000"/>
-                  </a:solidFill>
-                  <a:round/>
-                  <a:headEnd/>
-                  <a:tailEnd/>
-                </a14:hiddenLine>
-              </a:ext>
-            </a:extLst>
           </p:spPr>
         </p:sp>
         <p:sp>
@@ -755,18 +653,6 @@
             <a:ln>
               <a:noFill/>
             </a:ln>
-            <a:extLst>
-              <a:ext uri="{91240B29-F687-4f45-9708-019B960494DF}">
-                <a14:hiddenLine xmlns:a14="http://schemas.microsoft.com/office/drawing/2010/main" xmlns="" w="9525">
-                  <a:solidFill>
-                    <a:srgbClr val="000000"/>
-                  </a:solidFill>
-                  <a:round/>
-                  <a:headEnd/>
-                  <a:tailEnd/>
-                </a14:hiddenLine>
-              </a:ext>
-            </a:extLst>
           </p:spPr>
         </p:sp>
         <p:sp>
@@ -817,18 +703,6 @@
             <a:ln>
               <a:noFill/>
             </a:ln>
-            <a:extLst>
-              <a:ext uri="{91240B29-F687-4f45-9708-019B960494DF}">
-                <a14:hiddenLine xmlns:a14="http://schemas.microsoft.com/office/drawing/2010/main" xmlns="" w="9525">
-                  <a:solidFill>
-                    <a:srgbClr val="000000"/>
-                  </a:solidFill>
-                  <a:round/>
-                  <a:headEnd/>
-                  <a:tailEnd/>
-                </a14:hiddenLine>
-              </a:ext>
-            </a:extLst>
           </p:spPr>
         </p:sp>
         <p:sp>
@@ -879,18 +753,6 @@
             <a:ln>
               <a:noFill/>
             </a:ln>
-            <a:extLst>
-              <a:ext uri="{91240B29-F687-4f45-9708-019B960494DF}">
-                <a14:hiddenLine xmlns:a14="http://schemas.microsoft.com/office/drawing/2010/main" xmlns="" w="9525">
-                  <a:solidFill>
-                    <a:srgbClr val="000000"/>
-                  </a:solidFill>
-                  <a:round/>
-                  <a:headEnd/>
-                  <a:tailEnd/>
-                </a14:hiddenLine>
-              </a:ext>
-            </a:extLst>
           </p:spPr>
         </p:sp>
         <p:sp>
@@ -969,18 +831,6 @@
             <a:ln>
               <a:noFill/>
             </a:ln>
-            <a:extLst>
-              <a:ext uri="{91240B29-F687-4f45-9708-019B960494DF}">
-                <a14:hiddenLine xmlns:a14="http://schemas.microsoft.com/office/drawing/2010/main" xmlns="" w="9525">
-                  <a:solidFill>
-                    <a:srgbClr val="000000"/>
-                  </a:solidFill>
-                  <a:round/>
-                  <a:headEnd/>
-                  <a:tailEnd/>
-                </a14:hiddenLine>
-              </a:ext>
-            </a:extLst>
           </p:spPr>
         </p:sp>
         <p:sp>
@@ -1059,18 +909,6 @@
             <a:ln>
               <a:noFill/>
             </a:ln>
-            <a:extLst>
-              <a:ext uri="{91240B29-F687-4f45-9708-019B960494DF}">
-                <a14:hiddenLine xmlns:a14="http://schemas.microsoft.com/office/drawing/2010/main" xmlns="" w="9525">
-                  <a:solidFill>
-                    <a:srgbClr val="000000"/>
-                  </a:solidFill>
-                  <a:round/>
-                  <a:headEnd/>
-                  <a:tailEnd/>
-                </a14:hiddenLine>
-              </a:ext>
-            </a:extLst>
           </p:spPr>
         </p:sp>
         <p:sp>
@@ -1121,18 +959,6 @@
             <a:ln>
               <a:noFill/>
             </a:ln>
-            <a:extLst>
-              <a:ext uri="{91240B29-F687-4f45-9708-019B960494DF}">
-                <a14:hiddenLine xmlns:a14="http://schemas.microsoft.com/office/drawing/2010/main" xmlns="" w="9525">
-                  <a:solidFill>
-                    <a:srgbClr val="000000"/>
-                  </a:solidFill>
-                  <a:round/>
-                  <a:headEnd/>
-                  <a:tailEnd/>
-                </a14:hiddenLine>
-              </a:ext>
-            </a:extLst>
           </p:spPr>
         </p:sp>
         <p:sp>
@@ -1231,18 +1057,6 @@
             <a:ln>
               <a:noFill/>
             </a:ln>
-            <a:extLst>
-              <a:ext uri="{91240B29-F687-4f45-9708-019B960494DF}">
-                <a14:hiddenLine xmlns:a14="http://schemas.microsoft.com/office/drawing/2010/main" xmlns="" w="9525">
-                  <a:solidFill>
-                    <a:srgbClr val="000000"/>
-                  </a:solidFill>
-                  <a:round/>
-                  <a:headEnd/>
-                  <a:tailEnd/>
-                </a14:hiddenLine>
-              </a:ext>
-            </a:extLst>
           </p:spPr>
         </p:sp>
         <p:sp>
@@ -1293,18 +1107,6 @@
             <a:ln>
               <a:noFill/>
             </a:ln>
-            <a:extLst>
-              <a:ext uri="{91240B29-F687-4f45-9708-019B960494DF}">
-                <a14:hiddenLine xmlns:a14="http://schemas.microsoft.com/office/drawing/2010/main" xmlns="" w="9525">
-                  <a:solidFill>
-                    <a:srgbClr val="000000"/>
-                  </a:solidFill>
-                  <a:round/>
-                  <a:headEnd/>
-                  <a:tailEnd/>
-                </a14:hiddenLine>
-              </a:ext>
-            </a:extLst>
           </p:spPr>
         </p:sp>
         <p:sp>
@@ -1383,18 +1185,6 @@
             <a:ln>
               <a:noFill/>
             </a:ln>
-            <a:extLst>
-              <a:ext uri="{91240B29-F687-4f45-9708-019B960494DF}">
-                <a14:hiddenLine xmlns:a14="http://schemas.microsoft.com/office/drawing/2010/main" xmlns="" w="9525">
-                  <a:solidFill>
-                    <a:srgbClr val="000000"/>
-                  </a:solidFill>
-                  <a:round/>
-                  <a:headEnd/>
-                  <a:tailEnd/>
-                </a14:hiddenLine>
-              </a:ext>
-            </a:extLst>
           </p:spPr>
         </p:sp>
         <p:sp>
@@ -1473,18 +1263,6 @@
             <a:ln>
               <a:noFill/>
             </a:ln>
-            <a:extLst>
-              <a:ext uri="{91240B29-F687-4f45-9708-019B960494DF}">
-                <a14:hiddenLine xmlns:a14="http://schemas.microsoft.com/office/drawing/2010/main" xmlns="" w="9525">
-                  <a:solidFill>
-                    <a:srgbClr val="000000"/>
-                  </a:solidFill>
-                  <a:round/>
-                  <a:headEnd/>
-                  <a:tailEnd/>
-                </a14:hiddenLine>
-              </a:ext>
-            </a:extLst>
           </p:spPr>
         </p:sp>
         <p:sp>
@@ -1535,18 +1313,6 @@
             <a:ln>
               <a:noFill/>
             </a:ln>
-            <a:extLst>
-              <a:ext uri="{91240B29-F687-4f45-9708-019B960494DF}">
-                <a14:hiddenLine xmlns:a14="http://schemas.microsoft.com/office/drawing/2010/main" xmlns="" w="9525">
-                  <a:solidFill>
-                    <a:srgbClr val="000000"/>
-                  </a:solidFill>
-                  <a:round/>
-                  <a:headEnd/>
-                  <a:tailEnd/>
-                </a14:hiddenLine>
-              </a:ext>
-            </a:extLst>
           </p:spPr>
         </p:sp>
         <p:sp>
@@ -1625,18 +1391,6 @@
             <a:ln>
               <a:noFill/>
             </a:ln>
-            <a:extLst>
-              <a:ext uri="{91240B29-F687-4f45-9708-019B960494DF}">
-                <a14:hiddenLine xmlns:a14="http://schemas.microsoft.com/office/drawing/2010/main" xmlns="" w="9525">
-                  <a:solidFill>
-                    <a:srgbClr val="000000"/>
-                  </a:solidFill>
-                  <a:round/>
-                  <a:headEnd/>
-                  <a:tailEnd/>
-                </a14:hiddenLine>
-              </a:ext>
-            </a:extLst>
           </p:spPr>
         </p:sp>
         <p:sp>
@@ -1715,18 +1469,6 @@
             <a:ln>
               <a:noFill/>
             </a:ln>
-            <a:extLst>
-              <a:ext uri="{91240B29-F687-4f45-9708-019B960494DF}">
-                <a14:hiddenLine xmlns:a14="http://schemas.microsoft.com/office/drawing/2010/main" xmlns="" w="9525">
-                  <a:solidFill>
-                    <a:srgbClr val="000000"/>
-                  </a:solidFill>
-                  <a:round/>
-                  <a:headEnd/>
-                  <a:tailEnd/>
-                </a14:hiddenLine>
-              </a:ext>
-            </a:extLst>
           </p:spPr>
         </p:sp>
         <p:sp>
@@ -1771,18 +1513,6 @@
             <a:ln>
               <a:noFill/>
             </a:ln>
-            <a:extLst>
-              <a:ext uri="{91240B29-F687-4f45-9708-019B960494DF}">
-                <a14:hiddenLine xmlns:a14="http://schemas.microsoft.com/office/drawing/2010/main" xmlns="" w="9525">
-                  <a:solidFill>
-                    <a:srgbClr val="000000"/>
-                  </a:solidFill>
-                  <a:round/>
-                  <a:headEnd/>
-                  <a:tailEnd/>
-                </a14:hiddenLine>
-              </a:ext>
-            </a:extLst>
           </p:spPr>
         </p:sp>
         <p:sp>
@@ -1861,18 +1591,6 @@
             <a:ln>
               <a:noFill/>
             </a:ln>
-            <a:extLst>
-              <a:ext uri="{91240B29-F687-4f45-9708-019B960494DF}">
-                <a14:hiddenLine xmlns:a14="http://schemas.microsoft.com/office/drawing/2010/main" xmlns="" w="9525">
-                  <a:solidFill>
-                    <a:srgbClr val="000000"/>
-                  </a:solidFill>
-                  <a:round/>
-                  <a:headEnd/>
-                  <a:tailEnd/>
-                </a14:hiddenLine>
-              </a:ext>
-            </a:extLst>
           </p:spPr>
         </p:sp>
         <p:sp>
@@ -1917,18 +1635,6 @@
             <a:ln>
               <a:noFill/>
             </a:ln>
-            <a:extLst>
-              <a:ext uri="{91240B29-F687-4f45-9708-019B960494DF}">
-                <a14:hiddenLine xmlns:a14="http://schemas.microsoft.com/office/drawing/2010/main" xmlns="" w="9525">
-                  <a:solidFill>
-                    <a:srgbClr val="000000"/>
-                  </a:solidFill>
-                  <a:round/>
-                  <a:headEnd/>
-                  <a:tailEnd/>
-                </a14:hiddenLine>
-              </a:ext>
-            </a:extLst>
           </p:spPr>
         </p:sp>
         <p:sp>
@@ -2007,18 +1713,6 @@
             <a:ln>
               <a:noFill/>
             </a:ln>
-            <a:extLst>
-              <a:ext uri="{91240B29-F687-4f45-9708-019B960494DF}">
-                <a14:hiddenLine xmlns:a14="http://schemas.microsoft.com/office/drawing/2010/main" xmlns="" w="9525">
-                  <a:solidFill>
-                    <a:srgbClr val="000000"/>
-                  </a:solidFill>
-                  <a:round/>
-                  <a:headEnd/>
-                  <a:tailEnd/>
-                </a14:hiddenLine>
-              </a:ext>
-            </a:extLst>
           </p:spPr>
         </p:sp>
         <p:sp>
@@ -2075,18 +1769,6 @@
             <a:ln>
               <a:noFill/>
             </a:ln>
-            <a:extLst>
-              <a:ext uri="{91240B29-F687-4f45-9708-019B960494DF}">
-                <a14:hiddenLine xmlns:a14="http://schemas.microsoft.com/office/drawing/2010/main" xmlns="" w="9525">
-                  <a:solidFill>
-                    <a:srgbClr val="000000"/>
-                  </a:solidFill>
-                  <a:round/>
-                  <a:headEnd/>
-                  <a:tailEnd/>
-                </a14:hiddenLine>
-              </a:ext>
-            </a:extLst>
           </p:spPr>
         </p:sp>
         <p:sp>
@@ -2165,18 +1847,6 @@
             <a:ln>
               <a:noFill/>
             </a:ln>
-            <a:extLst>
-              <a:ext uri="{91240B29-F687-4f45-9708-019B960494DF}">
-                <a14:hiddenLine xmlns:a14="http://schemas.microsoft.com/office/drawing/2010/main" xmlns="" w="9525">
-                  <a:solidFill>
-                    <a:srgbClr val="000000"/>
-                  </a:solidFill>
-                  <a:round/>
-                  <a:headEnd/>
-                  <a:tailEnd/>
-                </a14:hiddenLine>
-              </a:ext>
-            </a:extLst>
           </p:spPr>
         </p:sp>
         <p:sp>
@@ -2233,18 +1903,6 @@
             <a:ln>
               <a:noFill/>
             </a:ln>
-            <a:extLst>
-              <a:ext uri="{91240B29-F687-4f45-9708-019B960494DF}">
-                <a14:hiddenLine xmlns:a14="http://schemas.microsoft.com/office/drawing/2010/main" xmlns="" w="9525">
-                  <a:solidFill>
-                    <a:srgbClr val="000000"/>
-                  </a:solidFill>
-                  <a:round/>
-                  <a:headEnd/>
-                  <a:tailEnd/>
-                </a14:hiddenLine>
-              </a:ext>
-            </a:extLst>
           </p:spPr>
         </p:sp>
         <p:sp>
@@ -2323,18 +1981,6 @@
             <a:ln>
               <a:noFill/>
             </a:ln>
-            <a:extLst>
-              <a:ext uri="{91240B29-F687-4f45-9708-019B960494DF}">
-                <a14:hiddenLine xmlns:a14="http://schemas.microsoft.com/office/drawing/2010/main" xmlns="" w="9525">
-                  <a:solidFill>
-                    <a:srgbClr val="000000"/>
-                  </a:solidFill>
-                  <a:round/>
-                  <a:headEnd/>
-                  <a:tailEnd/>
-                </a14:hiddenLine>
-              </a:ext>
-            </a:extLst>
           </p:spPr>
         </p:sp>
         <p:sp>
@@ -2357,18 +2003,6 @@
             <a:ln>
               <a:noFill/>
             </a:ln>
-            <a:extLst>
-              <a:ext uri="{91240B29-F687-4f45-9708-019B960494DF}">
-                <a14:hiddenLine xmlns:a14="http://schemas.microsoft.com/office/drawing/2010/main" xmlns="" w="9525">
-                  <a:solidFill>
-                    <a:srgbClr val="000000"/>
-                  </a:solidFill>
-                  <a:miter lim="800000"/>
-                  <a:headEnd/>
-                  <a:tailEnd/>
-                </a14:hiddenLine>
-              </a:ext>
-            </a:extLst>
           </p:spPr>
         </p:sp>
         <p:sp>
@@ -2447,18 +2081,6 @@
             <a:ln>
               <a:noFill/>
             </a:ln>
-            <a:extLst>
-              <a:ext uri="{91240B29-F687-4f45-9708-019B960494DF}">
-                <a14:hiddenLine xmlns:a14="http://schemas.microsoft.com/office/drawing/2010/main" xmlns="" w="9525">
-                  <a:solidFill>
-                    <a:srgbClr val="000000"/>
-                  </a:solidFill>
-                  <a:round/>
-                  <a:headEnd/>
-                  <a:tailEnd/>
-                </a14:hiddenLine>
-              </a:ext>
-            </a:extLst>
           </p:spPr>
         </p:sp>
         <p:sp>
@@ -2509,18 +2131,6 @@
             <a:ln>
               <a:noFill/>
             </a:ln>
-            <a:extLst>
-              <a:ext uri="{91240B29-F687-4f45-9708-019B960494DF}">
-                <a14:hiddenLine xmlns:a14="http://schemas.microsoft.com/office/drawing/2010/main" xmlns="" w="9525">
-                  <a:solidFill>
-                    <a:srgbClr val="000000"/>
-                  </a:solidFill>
-                  <a:round/>
-                  <a:headEnd/>
-                  <a:tailEnd/>
-                </a14:hiddenLine>
-              </a:ext>
-            </a:extLst>
           </p:spPr>
         </p:sp>
         <p:sp>
@@ -2571,18 +2181,6 @@
             <a:ln>
               <a:noFill/>
             </a:ln>
-            <a:extLst>
-              <a:ext uri="{91240B29-F687-4f45-9708-019B960494DF}">
-                <a14:hiddenLine xmlns:a14="http://schemas.microsoft.com/office/drawing/2010/main" xmlns="" w="9525">
-                  <a:solidFill>
-                    <a:srgbClr val="000000"/>
-                  </a:solidFill>
-                  <a:round/>
-                  <a:headEnd/>
-                  <a:tailEnd/>
-                </a14:hiddenLine>
-              </a:ext>
-            </a:extLst>
           </p:spPr>
         </p:sp>
         <p:sp>
@@ -2661,18 +2259,6 @@
             <a:ln>
               <a:noFill/>
             </a:ln>
-            <a:extLst>
-              <a:ext uri="{91240B29-F687-4f45-9708-019B960494DF}">
-                <a14:hiddenLine xmlns:a14="http://schemas.microsoft.com/office/drawing/2010/main" xmlns="" w="9525">
-                  <a:solidFill>
-                    <a:srgbClr val="000000"/>
-                  </a:solidFill>
-                  <a:round/>
-                  <a:headEnd/>
-                  <a:tailEnd/>
-                </a14:hiddenLine>
-              </a:ext>
-            </a:extLst>
           </p:spPr>
         </p:sp>
         <p:sp>
@@ -2729,18 +2315,6 @@
             <a:ln>
               <a:noFill/>
             </a:ln>
-            <a:extLst>
-              <a:ext uri="{91240B29-F687-4f45-9708-019B960494DF}">
-                <a14:hiddenLine xmlns:a14="http://schemas.microsoft.com/office/drawing/2010/main" xmlns="" w="9525">
-                  <a:solidFill>
-                    <a:srgbClr val="000000"/>
-                  </a:solidFill>
-                  <a:round/>
-                  <a:headEnd/>
-                  <a:tailEnd/>
-                </a14:hiddenLine>
-              </a:ext>
-            </a:extLst>
           </p:spPr>
         </p:sp>
         <p:sp>
@@ -2791,18 +2365,6 @@
             <a:ln>
               <a:noFill/>
             </a:ln>
-            <a:extLst>
-              <a:ext uri="{91240B29-F687-4f45-9708-019B960494DF}">
-                <a14:hiddenLine xmlns:a14="http://schemas.microsoft.com/office/drawing/2010/main" xmlns="" w="9525">
-                  <a:solidFill>
-                    <a:srgbClr val="000000"/>
-                  </a:solidFill>
-                  <a:round/>
-                  <a:headEnd/>
-                  <a:tailEnd/>
-                </a14:hiddenLine>
-              </a:ext>
-            </a:extLst>
           </p:spPr>
         </p:sp>
         <p:sp>
@@ -2881,18 +2443,6 @@
             <a:ln>
               <a:noFill/>
             </a:ln>
-            <a:extLst>
-              <a:ext uri="{91240B29-F687-4f45-9708-019B960494DF}">
-                <a14:hiddenLine xmlns:a14="http://schemas.microsoft.com/office/drawing/2010/main" xmlns="" w="9525">
-                  <a:solidFill>
-                    <a:srgbClr val="000000"/>
-                  </a:solidFill>
-                  <a:round/>
-                  <a:headEnd/>
-                  <a:tailEnd/>
-                </a14:hiddenLine>
-              </a:ext>
-            </a:extLst>
           </p:spPr>
         </p:sp>
         <p:sp>
@@ -2943,18 +2493,6 @@
             <a:ln>
               <a:noFill/>
             </a:ln>
-            <a:extLst>
-              <a:ext uri="{91240B29-F687-4f45-9708-019B960494DF}">
-                <a14:hiddenLine xmlns:a14="http://schemas.microsoft.com/office/drawing/2010/main" xmlns="" w="9525">
-                  <a:solidFill>
-                    <a:srgbClr val="000000"/>
-                  </a:solidFill>
-                  <a:round/>
-                  <a:headEnd/>
-                  <a:tailEnd/>
-                </a14:hiddenLine>
-              </a:ext>
-            </a:extLst>
           </p:spPr>
         </p:sp>
         <p:sp>
@@ -3033,18 +2571,6 @@
             <a:ln>
               <a:noFill/>
             </a:ln>
-            <a:extLst>
-              <a:ext uri="{91240B29-F687-4f45-9708-019B960494DF}">
-                <a14:hiddenLine xmlns:a14="http://schemas.microsoft.com/office/drawing/2010/main" xmlns="" w="9525">
-                  <a:solidFill>
-                    <a:srgbClr val="000000"/>
-                  </a:solidFill>
-                  <a:round/>
-                  <a:headEnd/>
-                  <a:tailEnd/>
-                </a14:hiddenLine>
-              </a:ext>
-            </a:extLst>
           </p:spPr>
         </p:sp>
         <p:sp>
@@ -3095,18 +2621,6 @@
             <a:ln>
               <a:noFill/>
             </a:ln>
-            <a:extLst>
-              <a:ext uri="{91240B29-F687-4f45-9708-019B960494DF}">
-                <a14:hiddenLine xmlns:a14="http://schemas.microsoft.com/office/drawing/2010/main" xmlns="" w="9525">
-                  <a:solidFill>
-                    <a:srgbClr val="000000"/>
-                  </a:solidFill>
-                  <a:round/>
-                  <a:headEnd/>
-                  <a:tailEnd/>
-                </a14:hiddenLine>
-              </a:ext>
-            </a:extLst>
           </p:spPr>
         </p:sp>
         <p:sp>
@@ -3185,18 +2699,6 @@
             <a:ln>
               <a:noFill/>
             </a:ln>
-            <a:extLst>
-              <a:ext uri="{91240B29-F687-4f45-9708-019B960494DF}">
-                <a14:hiddenLine xmlns:a14="http://schemas.microsoft.com/office/drawing/2010/main" xmlns="" w="9525">
-                  <a:solidFill>
-                    <a:srgbClr val="000000"/>
-                  </a:solidFill>
-                  <a:round/>
-                  <a:headEnd/>
-                  <a:tailEnd/>
-                </a14:hiddenLine>
-              </a:ext>
-            </a:extLst>
           </p:spPr>
         </p:sp>
         <p:sp>
@@ -3219,18 +2721,6 @@
             <a:ln>
               <a:noFill/>
             </a:ln>
-            <a:extLst>
-              <a:ext uri="{91240B29-F687-4f45-9708-019B960494DF}">
-                <a14:hiddenLine xmlns:a14="http://schemas.microsoft.com/office/drawing/2010/main" xmlns="" w="9525">
-                  <a:solidFill>
-                    <a:srgbClr val="000000"/>
-                  </a:solidFill>
-                  <a:miter lim="800000"/>
-                  <a:headEnd/>
-                  <a:tailEnd/>
-                </a14:hiddenLine>
-              </a:ext>
-            </a:extLst>
           </p:spPr>
         </p:sp>
         <p:sp>
@@ -3284,18 +2774,6 @@
             <a:ln>
               <a:noFill/>
             </a:ln>
-            <a:extLst>
-              <a:ext uri="{91240B29-F687-4f45-9708-019B960494DF}">
-                <a14:hiddenLine xmlns:a14="http://schemas.microsoft.com/office/drawing/2010/main" xmlns="" w="9525">
-                  <a:solidFill>
-                    <a:srgbClr val="000000"/>
-                  </a:solidFill>
-                  <a:round/>
-                  <a:headEnd/>
-                  <a:tailEnd/>
-                </a14:hiddenLine>
-              </a:ext>
-            </a:extLst>
           </p:spPr>
         </p:sp>
         <p:sp>
@@ -3374,18 +2852,6 @@
             <a:ln>
               <a:noFill/>
             </a:ln>
-            <a:extLst>
-              <a:ext uri="{91240B29-F687-4f45-9708-019B960494DF}">
-                <a14:hiddenLine xmlns:a14="http://schemas.microsoft.com/office/drawing/2010/main" xmlns="" w="9525">
-                  <a:solidFill>
-                    <a:srgbClr val="000000"/>
-                  </a:solidFill>
-                  <a:round/>
-                  <a:headEnd/>
-                  <a:tailEnd/>
-                </a14:hiddenLine>
-              </a:ext>
-            </a:extLst>
           </p:spPr>
         </p:sp>
         <p:sp>
@@ -3436,18 +2902,6 @@
             <a:ln>
               <a:noFill/>
             </a:ln>
-            <a:extLst>
-              <a:ext uri="{91240B29-F687-4f45-9708-019B960494DF}">
-                <a14:hiddenLine xmlns:a14="http://schemas.microsoft.com/office/drawing/2010/main" xmlns="" w="9525">
-                  <a:solidFill>
-                    <a:srgbClr val="000000"/>
-                  </a:solidFill>
-                  <a:round/>
-                  <a:headEnd/>
-                  <a:tailEnd/>
-                </a14:hiddenLine>
-              </a:ext>
-            </a:extLst>
           </p:spPr>
         </p:sp>
         <p:sp>
@@ -3526,18 +2980,6 @@
             <a:ln>
               <a:noFill/>
             </a:ln>
-            <a:extLst>
-              <a:ext uri="{91240B29-F687-4f45-9708-019B960494DF}">
-                <a14:hiddenLine xmlns:a14="http://schemas.microsoft.com/office/drawing/2010/main" xmlns="" w="9525">
-                  <a:solidFill>
-                    <a:srgbClr val="000000"/>
-                  </a:solidFill>
-                  <a:round/>
-                  <a:headEnd/>
-                  <a:tailEnd/>
-                </a14:hiddenLine>
-              </a:ext>
-            </a:extLst>
           </p:spPr>
         </p:sp>
         <p:sp>
@@ -3616,18 +3058,6 @@
             <a:ln>
               <a:noFill/>
             </a:ln>
-            <a:extLst>
-              <a:ext uri="{91240B29-F687-4f45-9708-019B960494DF}">
-                <a14:hiddenLine xmlns:a14="http://schemas.microsoft.com/office/drawing/2010/main" xmlns="" w="9525">
-                  <a:solidFill>
-                    <a:srgbClr val="000000"/>
-                  </a:solidFill>
-                  <a:round/>
-                  <a:headEnd/>
-                  <a:tailEnd/>
-                </a14:hiddenLine>
-              </a:ext>
-            </a:extLst>
           </p:spPr>
         </p:sp>
         <p:sp>
@@ -3681,18 +3111,6 @@
             <a:ln>
               <a:noFill/>
             </a:ln>
-            <a:extLst>
-              <a:ext uri="{91240B29-F687-4f45-9708-019B960494DF}">
-                <a14:hiddenLine xmlns:a14="http://schemas.microsoft.com/office/drawing/2010/main" xmlns="" w="9525">
-                  <a:solidFill>
-                    <a:srgbClr val="000000"/>
-                  </a:solidFill>
-                  <a:round/>
-                  <a:headEnd/>
-                  <a:tailEnd/>
-                </a14:hiddenLine>
-              </a:ext>
-            </a:extLst>
           </p:spPr>
         </p:sp>
         <p:sp>
@@ -3743,18 +3161,6 @@
             <a:ln>
               <a:noFill/>
             </a:ln>
-            <a:extLst>
-              <a:ext uri="{91240B29-F687-4f45-9708-019B960494DF}">
-                <a14:hiddenLine xmlns:a14="http://schemas.microsoft.com/office/drawing/2010/main" xmlns="" w="9525">
-                  <a:solidFill>
-                    <a:srgbClr val="000000"/>
-                  </a:solidFill>
-                  <a:round/>
-                  <a:headEnd/>
-                  <a:tailEnd/>
-                </a14:hiddenLine>
-              </a:ext>
-            </a:extLst>
           </p:spPr>
         </p:sp>
         <p:sp>
@@ -3833,18 +3239,6 @@
             <a:ln>
               <a:noFill/>
             </a:ln>
-            <a:extLst>
-              <a:ext uri="{91240B29-F687-4f45-9708-019B960494DF}">
-                <a14:hiddenLine xmlns:a14="http://schemas.microsoft.com/office/drawing/2010/main" xmlns="" w="9525">
-                  <a:solidFill>
-                    <a:srgbClr val="000000"/>
-                  </a:solidFill>
-                  <a:round/>
-                  <a:headEnd/>
-                  <a:tailEnd/>
-                </a14:hiddenLine>
-              </a:ext>
-            </a:extLst>
           </p:spPr>
         </p:sp>
         <p:sp>
@@ -3923,18 +3317,6 @@
             <a:ln>
               <a:noFill/>
             </a:ln>
-            <a:extLst>
-              <a:ext uri="{91240B29-F687-4f45-9708-019B960494DF}">
-                <a14:hiddenLine xmlns:a14="http://schemas.microsoft.com/office/drawing/2010/main" xmlns="" w="9525">
-                  <a:solidFill>
-                    <a:srgbClr val="000000"/>
-                  </a:solidFill>
-                  <a:round/>
-                  <a:headEnd/>
-                  <a:tailEnd/>
-                </a14:hiddenLine>
-              </a:ext>
-            </a:extLst>
           </p:spPr>
         </p:sp>
         <p:sp>
@@ -3985,18 +3367,6 @@
             <a:ln>
               <a:noFill/>
             </a:ln>
-            <a:extLst>
-              <a:ext uri="{91240B29-F687-4f45-9708-019B960494DF}">
-                <a14:hiddenLine xmlns:a14="http://schemas.microsoft.com/office/drawing/2010/main" xmlns="" w="9525">
-                  <a:solidFill>
-                    <a:srgbClr val="000000"/>
-                  </a:solidFill>
-                  <a:round/>
-                  <a:headEnd/>
-                  <a:tailEnd/>
-                </a14:hiddenLine>
-              </a:ext>
-            </a:extLst>
           </p:spPr>
         </p:sp>
         <p:sp>
@@ -4105,18 +3475,6 @@
             <a:ln>
               <a:noFill/>
             </a:ln>
-            <a:extLst>
-              <a:ext uri="{91240B29-F687-4f45-9708-019B960494DF}">
-                <a14:hiddenLine xmlns:a14="http://schemas.microsoft.com/office/drawing/2010/main" xmlns="" w="9525">
-                  <a:solidFill>
-                    <a:srgbClr val="000000"/>
-                  </a:solidFill>
-                  <a:round/>
-                  <a:headEnd/>
-                  <a:tailEnd/>
-                </a14:hiddenLine>
-              </a:ext>
-            </a:extLst>
           </p:spPr>
         </p:sp>
         <p:sp>
@@ -4173,18 +3531,6 @@
             <a:ln>
               <a:noFill/>
             </a:ln>
-            <a:extLst>
-              <a:ext uri="{91240B29-F687-4f45-9708-019B960494DF}">
-                <a14:hiddenLine xmlns:a14="http://schemas.microsoft.com/office/drawing/2010/main" xmlns="" w="9525">
-                  <a:solidFill>
-                    <a:srgbClr val="000000"/>
-                  </a:solidFill>
-                  <a:round/>
-                  <a:headEnd/>
-                  <a:tailEnd/>
-                </a14:hiddenLine>
-              </a:ext>
-            </a:extLst>
           </p:spPr>
         </p:sp>
         <p:sp>
@@ -4263,18 +3609,6 @@
             <a:ln>
               <a:noFill/>
             </a:ln>
-            <a:extLst>
-              <a:ext uri="{91240B29-F687-4f45-9708-019B960494DF}">
-                <a14:hiddenLine xmlns:a14="http://schemas.microsoft.com/office/drawing/2010/main" xmlns="" w="9525">
-                  <a:solidFill>
-                    <a:srgbClr val="000000"/>
-                  </a:solidFill>
-                  <a:round/>
-                  <a:headEnd/>
-                  <a:tailEnd/>
-                </a14:hiddenLine>
-              </a:ext>
-            </a:extLst>
           </p:spPr>
         </p:sp>
       </p:grpSp>
@@ -4405,7 +3739,6 @@
           <a:p>
             <a:fld id="{48A87A34-81AB-432B-8DAE-1953F412C126}" type="datetimeFigureOut">
               <a:rPr lang="en-US" dirty="0"/>
-              <a:t>5/29/2017</a:t>
             </a:fld>
             <a:endParaRPr lang="en-US" dirty="0"/>
           </a:p>
@@ -4457,7 +3790,6 @@
           <a:p>
             <a:fld id="{6D22F896-40B5-4ADD-8801-0D06FADFA095}" type="slidenum">
               <a:rPr lang="en-US" dirty="0"/>
-              <a:t>‹nº›</a:t>
             </a:fld>
             <a:endParaRPr lang="en-US" dirty="0"/>
           </a:p>
@@ -4647,6 +3979,7 @@
               <a:rPr lang="pt-BR"/>
               <a:t>Editar estilos de texto Mestre</a:t>
             </a:r>
+            <a:endParaRPr lang="pt-BR"/>
           </a:p>
         </p:txBody>
       </p:sp>
@@ -4667,7 +4000,6 @@
           <a:p>
             <a:fld id="{48A87A34-81AB-432B-8DAE-1953F412C126}" type="datetimeFigureOut">
               <a:rPr lang="en-US" dirty="0"/>
-              <a:t>5/29/2017</a:t>
             </a:fld>
             <a:endParaRPr lang="en-US" dirty="0"/>
           </a:p>
@@ -4709,7 +4041,6 @@
           <a:p>
             <a:fld id="{6D22F896-40B5-4ADD-8801-0D06FADFA095}" type="slidenum">
               <a:rPr lang="en-US" dirty="0"/>
-              <a:t>‹nº›</a:t>
             </a:fld>
             <a:endParaRPr lang="en-US" dirty="0"/>
           </a:p>
@@ -4838,6 +4169,7 @@
               <a:rPr lang="pt-BR"/>
               <a:t>Editar estilos de texto Mestre</a:t>
             </a:r>
+            <a:endParaRPr lang="pt-BR"/>
           </a:p>
         </p:txBody>
       </p:sp>
@@ -4858,7 +4190,6 @@
           <a:p>
             <a:fld id="{48A87A34-81AB-432B-8DAE-1953F412C126}" type="datetimeFigureOut">
               <a:rPr lang="en-US" dirty="0"/>
-              <a:t>5/29/2017</a:t>
             </a:fld>
             <a:endParaRPr lang="en-US" dirty="0"/>
           </a:p>
@@ -4900,7 +4231,6 @@
           <a:p>
             <a:fld id="{6D22F896-40B5-4ADD-8801-0D06FADFA095}" type="slidenum">
               <a:rPr lang="en-US" dirty="0"/>
-              <a:t>‹nº›</a:t>
             </a:fld>
             <a:endParaRPr lang="en-US" dirty="0"/>
           </a:p>
@@ -5029,6 +4359,7 @@
               <a:rPr lang="pt-BR"/>
               <a:t>Editar estilos de texto Mestre</a:t>
             </a:r>
+            <a:endParaRPr lang="pt-BR"/>
           </a:p>
         </p:txBody>
       </p:sp>
@@ -5096,6 +4427,7 @@
               <a:rPr lang="pt-BR"/>
               <a:t>Editar estilos de texto Mestre</a:t>
             </a:r>
+            <a:endParaRPr lang="pt-BR"/>
           </a:p>
         </p:txBody>
       </p:sp>
@@ -5116,7 +4448,6 @@
           <a:p>
             <a:fld id="{48A87A34-81AB-432B-8DAE-1953F412C126}" type="datetimeFigureOut">
               <a:rPr lang="en-US" dirty="0"/>
-              <a:t>5/29/2017</a:t>
             </a:fld>
             <a:endParaRPr lang="en-US" dirty="0"/>
           </a:p>
@@ -5158,7 +4489,6 @@
           <a:p>
             <a:fld id="{6D22F896-40B5-4ADD-8801-0D06FADFA095}" type="slidenum">
               <a:rPr lang="en-US" dirty="0"/>
-              <a:t>‹nº›</a:t>
             </a:fld>
             <a:endParaRPr lang="en-US" dirty="0"/>
           </a:p>
@@ -5209,7 +4539,7 @@
                 </a:effectLst>
                 <a:latin typeface="+mj-lt"/>
                 <a:ea typeface="+mj-ea"/>
-                <a:cs typeface="Trebuchet MS"/>
+                <a:cs typeface="Trebuchet MS" panose="020B0603020202020204"/>
               </a:defRPr>
             </a:lvl1pPr>
             <a:lvl2pPr>
@@ -5280,6 +4610,12 @@
               </a:rPr>
               <a:t>“</a:t>
             </a:r>
+            <a:endParaRPr lang="en-US" sz="8000" dirty="0">
+              <a:solidFill>
+                <a:schemeClr val="tx1"/>
+              </a:solidFill>
+              <a:effectLst/>
+            </a:endParaRPr>
           </a:p>
         </p:txBody>
       </p:sp>
@@ -5328,7 +4664,7 @@
                 </a:effectLst>
                 <a:latin typeface="+mj-lt"/>
                 <a:ea typeface="+mj-ea"/>
-                <a:cs typeface="Trebuchet MS"/>
+                <a:cs typeface="Trebuchet MS" panose="020B0603020202020204"/>
               </a:defRPr>
             </a:lvl1pPr>
             <a:lvl2pPr>
@@ -5399,6 +4735,12 @@
               </a:rPr>
               <a:t>”</a:t>
             </a:r>
+            <a:endParaRPr lang="en-US" sz="8000" dirty="0">
+              <a:solidFill>
+                <a:schemeClr val="tx1"/>
+              </a:solidFill>
+              <a:effectLst/>
+            </a:endParaRPr>
           </a:p>
         </p:txBody>
       </p:sp>
@@ -5525,6 +4867,7 @@
               <a:rPr lang="pt-BR"/>
               <a:t>Editar estilos de texto Mestre</a:t>
             </a:r>
+            <a:endParaRPr lang="pt-BR"/>
           </a:p>
         </p:txBody>
       </p:sp>
@@ -5545,7 +4888,6 @@
           <a:p>
             <a:fld id="{48A87A34-81AB-432B-8DAE-1953F412C126}" type="datetimeFigureOut">
               <a:rPr lang="en-US" dirty="0"/>
-              <a:t>5/29/2017</a:t>
             </a:fld>
             <a:endParaRPr lang="en-US" dirty="0"/>
           </a:p>
@@ -5587,7 +4929,6 @@
           <a:p>
             <a:fld id="{6D22F896-40B5-4ADD-8801-0D06FADFA095}" type="slidenum">
               <a:rPr lang="en-US" dirty="0"/>
-              <a:t>‹nº›</a:t>
             </a:fld>
             <a:endParaRPr lang="en-US" dirty="0"/>
           </a:p>
@@ -5717,6 +5058,7 @@
               <a:rPr lang="pt-BR"/>
               <a:t>Editar estilos de texto Mestre</a:t>
             </a:r>
+            <a:endParaRPr lang="pt-BR"/>
           </a:p>
         </p:txBody>
       </p:sp>
@@ -5784,6 +5126,7 @@
               <a:rPr lang="pt-BR"/>
               <a:t>Editar estilos de texto Mestre</a:t>
             </a:r>
+            <a:endParaRPr lang="pt-BR"/>
           </a:p>
         </p:txBody>
       </p:sp>
@@ -5858,6 +5201,7 @@
               <a:rPr lang="pt-BR"/>
               <a:t>Editar estilos de texto Mestre</a:t>
             </a:r>
+            <a:endParaRPr lang="pt-BR"/>
           </a:p>
         </p:txBody>
       </p:sp>
@@ -5925,6 +5269,7 @@
               <a:rPr lang="pt-BR"/>
               <a:t>Editar estilos de texto Mestre</a:t>
             </a:r>
+            <a:endParaRPr lang="pt-BR"/>
           </a:p>
         </p:txBody>
       </p:sp>
@@ -5999,6 +5344,7 @@
               <a:rPr lang="pt-BR"/>
               <a:t>Editar estilos de texto Mestre</a:t>
             </a:r>
+            <a:endParaRPr lang="pt-BR"/>
           </a:p>
         </p:txBody>
       </p:sp>
@@ -6066,6 +5412,7 @@
               <a:rPr lang="pt-BR"/>
               <a:t>Editar estilos de texto Mestre</a:t>
             </a:r>
+            <a:endParaRPr lang="pt-BR"/>
           </a:p>
         </p:txBody>
       </p:sp>
@@ -6086,7 +5433,6 @@
           <a:p>
             <a:fld id="{48A87A34-81AB-432B-8DAE-1953F412C126}" type="datetimeFigureOut">
               <a:rPr lang="en-US" dirty="0"/>
-              <a:t>5/29/2017</a:t>
             </a:fld>
             <a:endParaRPr lang="en-US" dirty="0"/>
           </a:p>
@@ -6128,7 +5474,6 @@
           <a:p>
             <a:fld id="{6D22F896-40B5-4ADD-8801-0D06FADFA095}" type="slidenum">
               <a:rPr lang="en-US" dirty="0"/>
-              <a:t>‹nº›</a:t>
             </a:fld>
             <a:endParaRPr lang="en-US" dirty="0"/>
           </a:p>
@@ -6258,6 +5603,7 @@
               <a:rPr lang="pt-BR"/>
               <a:t>Editar estilos de texto Mestre</a:t>
             </a:r>
+            <a:endParaRPr lang="pt-BR"/>
           </a:p>
         </p:txBody>
       </p:sp>
@@ -6383,6 +5729,7 @@
               <a:rPr lang="pt-BR"/>
               <a:t>Editar estilos de texto Mestre</a:t>
             </a:r>
+            <a:endParaRPr lang="pt-BR"/>
           </a:p>
         </p:txBody>
       </p:sp>
@@ -6457,6 +5804,7 @@
               <a:rPr lang="pt-BR"/>
               <a:t>Editar estilos de texto Mestre</a:t>
             </a:r>
+            <a:endParaRPr lang="pt-BR"/>
           </a:p>
         </p:txBody>
       </p:sp>
@@ -6582,6 +5930,7 @@
               <a:rPr lang="pt-BR"/>
               <a:t>Editar estilos de texto Mestre</a:t>
             </a:r>
+            <a:endParaRPr lang="pt-BR"/>
           </a:p>
         </p:txBody>
       </p:sp>
@@ -6656,6 +6005,7 @@
               <a:rPr lang="pt-BR"/>
               <a:t>Editar estilos de texto Mestre</a:t>
             </a:r>
+            <a:endParaRPr lang="pt-BR"/>
           </a:p>
         </p:txBody>
       </p:sp>
@@ -6781,6 +6131,7 @@
               <a:rPr lang="pt-BR"/>
               <a:t>Editar estilos de texto Mestre</a:t>
             </a:r>
+            <a:endParaRPr lang="pt-BR"/>
           </a:p>
         </p:txBody>
       </p:sp>
@@ -6801,7 +6152,6 @@
           <a:p>
             <a:fld id="{48A87A34-81AB-432B-8DAE-1953F412C126}" type="datetimeFigureOut">
               <a:rPr lang="en-US" dirty="0"/>
-              <a:t>5/29/2017</a:t>
             </a:fld>
             <a:endParaRPr lang="en-US" dirty="0"/>
           </a:p>
@@ -6843,7 +6193,6 @@
           <a:p>
             <a:fld id="{6D22F896-40B5-4ADD-8801-0D06FADFA095}" type="slidenum">
               <a:rPr lang="en-US" dirty="0"/>
-              <a:t>‹nº›</a:t>
             </a:fld>
             <a:endParaRPr lang="en-US" dirty="0"/>
           </a:p>
@@ -6917,6 +6266,7 @@
               <a:rPr lang="pt-BR"/>
               <a:t>Editar estilos de texto Mestre</a:t>
             </a:r>
+            <a:endParaRPr lang="pt-BR"/>
           </a:p>
           <a:p>
             <a:pPr lvl="1"/>
@@ -6924,6 +6274,7 @@
               <a:rPr lang="pt-BR"/>
               <a:t>Segundo nível</a:t>
             </a:r>
+            <a:endParaRPr lang="pt-BR"/>
           </a:p>
           <a:p>
             <a:pPr lvl="2"/>
@@ -6931,6 +6282,7 @@
               <a:rPr lang="pt-BR"/>
               <a:t>Terceiro nível</a:t>
             </a:r>
+            <a:endParaRPr lang="pt-BR"/>
           </a:p>
           <a:p>
             <a:pPr lvl="3"/>
@@ -6938,6 +6290,7 @@
               <a:rPr lang="pt-BR"/>
               <a:t>Quarto nível</a:t>
             </a:r>
+            <a:endParaRPr lang="pt-BR"/>
           </a:p>
           <a:p>
             <a:pPr lvl="4"/>
@@ -6966,7 +6319,6 @@
           <a:p>
             <a:fld id="{48A87A34-81AB-432B-8DAE-1953F412C126}" type="datetimeFigureOut">
               <a:rPr lang="en-US" dirty="0"/>
-              <a:t>5/29/2017</a:t>
             </a:fld>
             <a:endParaRPr lang="en-US" dirty="0"/>
           </a:p>
@@ -7008,7 +6360,6 @@
           <a:p>
             <a:fld id="{6D22F896-40B5-4ADD-8801-0D06FADFA095}" type="slidenum">
               <a:rPr lang="en-US" dirty="0"/>
-              <a:t>‹nº›</a:t>
             </a:fld>
             <a:endParaRPr lang="en-US" dirty="0"/>
           </a:p>
@@ -7092,6 +6443,7 @@
               <a:rPr lang="pt-BR"/>
               <a:t>Editar estilos de texto Mestre</a:t>
             </a:r>
+            <a:endParaRPr lang="pt-BR"/>
           </a:p>
           <a:p>
             <a:pPr lvl="1"/>
@@ -7099,6 +6451,7 @@
               <a:rPr lang="pt-BR"/>
               <a:t>Segundo nível</a:t>
             </a:r>
+            <a:endParaRPr lang="pt-BR"/>
           </a:p>
           <a:p>
             <a:pPr lvl="2"/>
@@ -7106,6 +6459,7 @@
               <a:rPr lang="pt-BR"/>
               <a:t>Terceiro nível</a:t>
             </a:r>
+            <a:endParaRPr lang="pt-BR"/>
           </a:p>
           <a:p>
             <a:pPr lvl="3"/>
@@ -7113,6 +6467,7 @@
               <a:rPr lang="pt-BR"/>
               <a:t>Quarto nível</a:t>
             </a:r>
+            <a:endParaRPr lang="pt-BR"/>
           </a:p>
           <a:p>
             <a:pPr lvl="4"/>
@@ -7141,7 +6496,6 @@
           <a:p>
             <a:fld id="{48A87A34-81AB-432B-8DAE-1953F412C126}" type="datetimeFigureOut">
               <a:rPr lang="en-US" dirty="0"/>
-              <a:t>5/29/2017</a:t>
             </a:fld>
             <a:endParaRPr lang="en-US" dirty="0"/>
           </a:p>
@@ -7183,7 +6537,6 @@
           <a:p>
             <a:fld id="{6D22F896-40B5-4ADD-8801-0D06FADFA095}" type="slidenum">
               <a:rPr lang="en-US" dirty="0"/>
-              <a:t>‹nº›</a:t>
             </a:fld>
             <a:endParaRPr lang="en-US" dirty="0"/>
           </a:p>
@@ -7257,6 +6610,7 @@
               <a:rPr lang="pt-BR"/>
               <a:t>Editar estilos de texto Mestre</a:t>
             </a:r>
+            <a:endParaRPr lang="pt-BR"/>
           </a:p>
           <a:p>
             <a:pPr lvl="1"/>
@@ -7264,6 +6618,7 @@
               <a:rPr lang="pt-BR"/>
               <a:t>Segundo nível</a:t>
             </a:r>
+            <a:endParaRPr lang="pt-BR"/>
           </a:p>
           <a:p>
             <a:pPr lvl="2"/>
@@ -7271,6 +6626,7 @@
               <a:rPr lang="pt-BR"/>
               <a:t>Terceiro nível</a:t>
             </a:r>
+            <a:endParaRPr lang="pt-BR"/>
           </a:p>
           <a:p>
             <a:pPr lvl="3"/>
@@ -7278,6 +6634,7 @@
               <a:rPr lang="pt-BR"/>
               <a:t>Quarto nível</a:t>
             </a:r>
+            <a:endParaRPr lang="pt-BR"/>
           </a:p>
           <a:p>
             <a:pPr lvl="4"/>
@@ -7306,7 +6663,6 @@
           <a:p>
             <a:fld id="{48A87A34-81AB-432B-8DAE-1953F412C126}" type="datetimeFigureOut">
               <a:rPr lang="en-US" dirty="0"/>
-              <a:t>5/29/2017</a:t>
             </a:fld>
             <a:endParaRPr lang="en-US" dirty="0"/>
           </a:p>
@@ -7348,7 +6704,6 @@
           <a:p>
             <a:fld id="{6D22F896-40B5-4ADD-8801-0D06FADFA095}" type="slidenum">
               <a:rPr lang="en-US" dirty="0"/>
-              <a:t>‹nº›</a:t>
             </a:fld>
             <a:endParaRPr lang="en-US" dirty="0"/>
           </a:p>
@@ -7531,6 +6886,7 @@
               <a:rPr lang="pt-BR"/>
               <a:t>Editar estilos de texto Mestre</a:t>
             </a:r>
+            <a:endParaRPr lang="pt-BR"/>
           </a:p>
         </p:txBody>
       </p:sp>
@@ -7551,7 +6907,6 @@
           <a:p>
             <a:fld id="{48A87A34-81AB-432B-8DAE-1953F412C126}" type="datetimeFigureOut">
               <a:rPr lang="en-US" dirty="0"/>
-              <a:t>5/29/2017</a:t>
             </a:fld>
             <a:endParaRPr lang="en-US" dirty="0"/>
           </a:p>
@@ -7593,7 +6948,6 @@
           <a:p>
             <a:fld id="{6D22F896-40B5-4ADD-8801-0D06FADFA095}" type="slidenum">
               <a:rPr lang="en-US" dirty="0"/>
-              <a:t>‹nº›</a:t>
             </a:fld>
             <a:endParaRPr lang="en-US" dirty="0"/>
           </a:p>
@@ -7672,6 +7026,7 @@
               <a:rPr lang="pt-BR"/>
               <a:t>Editar estilos de texto Mestre</a:t>
             </a:r>
+            <a:endParaRPr lang="pt-BR"/>
           </a:p>
           <a:p>
             <a:pPr lvl="1"/>
@@ -7679,6 +7034,7 @@
               <a:rPr lang="pt-BR"/>
               <a:t>Segundo nível</a:t>
             </a:r>
+            <a:endParaRPr lang="pt-BR"/>
           </a:p>
           <a:p>
             <a:pPr lvl="2"/>
@@ -7686,6 +7042,7 @@
               <a:rPr lang="pt-BR"/>
               <a:t>Terceiro nível</a:t>
             </a:r>
+            <a:endParaRPr lang="pt-BR"/>
           </a:p>
           <a:p>
             <a:pPr lvl="3"/>
@@ -7693,6 +7050,7 @@
               <a:rPr lang="pt-BR"/>
               <a:t>Quarto nível</a:t>
             </a:r>
+            <a:endParaRPr lang="pt-BR"/>
           </a:p>
           <a:p>
             <a:pPr lvl="4"/>
@@ -7729,6 +7087,7 @@
               <a:rPr lang="pt-BR"/>
               <a:t>Editar estilos de texto Mestre</a:t>
             </a:r>
+            <a:endParaRPr lang="pt-BR"/>
           </a:p>
           <a:p>
             <a:pPr lvl="1"/>
@@ -7736,6 +7095,7 @@
               <a:rPr lang="pt-BR"/>
               <a:t>Segundo nível</a:t>
             </a:r>
+            <a:endParaRPr lang="pt-BR"/>
           </a:p>
           <a:p>
             <a:pPr lvl="2"/>
@@ -7743,6 +7103,7 @@
               <a:rPr lang="pt-BR"/>
               <a:t>Terceiro nível</a:t>
             </a:r>
+            <a:endParaRPr lang="pt-BR"/>
           </a:p>
           <a:p>
             <a:pPr lvl="3"/>
@@ -7750,6 +7111,7 @@
               <a:rPr lang="pt-BR"/>
               <a:t>Quarto nível</a:t>
             </a:r>
+            <a:endParaRPr lang="pt-BR"/>
           </a:p>
           <a:p>
             <a:pPr lvl="4"/>
@@ -7778,7 +7140,6 @@
           <a:p>
             <a:fld id="{48A87A34-81AB-432B-8DAE-1953F412C126}" type="datetimeFigureOut">
               <a:rPr lang="en-US" dirty="0"/>
-              <a:t>5/29/2017</a:t>
             </a:fld>
             <a:endParaRPr lang="en-US" dirty="0"/>
           </a:p>
@@ -7820,7 +7181,6 @@
           <a:p>
             <a:fld id="{6D22F896-40B5-4ADD-8801-0D06FADFA095}" type="slidenum">
               <a:rPr lang="en-US" dirty="0"/>
-              <a:t>‹nº›</a:t>
             </a:fld>
             <a:endParaRPr lang="en-US" dirty="0"/>
           </a:p>
@@ -7948,6 +7308,7 @@
               <a:rPr lang="pt-BR"/>
               <a:t>Editar estilos de texto Mestre</a:t>
             </a:r>
+            <a:endParaRPr lang="pt-BR"/>
           </a:p>
         </p:txBody>
       </p:sp>
@@ -7976,6 +7337,7 @@
               <a:rPr lang="pt-BR"/>
               <a:t>Editar estilos de texto Mestre</a:t>
             </a:r>
+            <a:endParaRPr lang="pt-BR"/>
           </a:p>
           <a:p>
             <a:pPr lvl="1"/>
@@ -7983,6 +7345,7 @@
               <a:rPr lang="pt-BR"/>
               <a:t>Segundo nível</a:t>
             </a:r>
+            <a:endParaRPr lang="pt-BR"/>
           </a:p>
           <a:p>
             <a:pPr lvl="2"/>
@@ -7990,6 +7353,7 @@
               <a:rPr lang="pt-BR"/>
               <a:t>Terceiro nível</a:t>
             </a:r>
+            <a:endParaRPr lang="pt-BR"/>
           </a:p>
           <a:p>
             <a:pPr lvl="3"/>
@@ -7997,6 +7361,7 @@
               <a:rPr lang="pt-BR"/>
               <a:t>Quarto nível</a:t>
             </a:r>
+            <a:endParaRPr lang="pt-BR"/>
           </a:p>
           <a:p>
             <a:pPr lvl="4"/>
@@ -8077,6 +7442,7 @@
               <a:rPr lang="pt-BR"/>
               <a:t>Editar estilos de texto Mestre</a:t>
             </a:r>
+            <a:endParaRPr lang="pt-BR"/>
           </a:p>
         </p:txBody>
       </p:sp>
@@ -8105,6 +7471,7 @@
               <a:rPr lang="pt-BR"/>
               <a:t>Editar estilos de texto Mestre</a:t>
             </a:r>
+            <a:endParaRPr lang="pt-BR"/>
           </a:p>
           <a:p>
             <a:pPr lvl="1"/>
@@ -8112,6 +7479,7 @@
               <a:rPr lang="pt-BR"/>
               <a:t>Segundo nível</a:t>
             </a:r>
+            <a:endParaRPr lang="pt-BR"/>
           </a:p>
           <a:p>
             <a:pPr lvl="2"/>
@@ -8119,6 +7487,7 @@
               <a:rPr lang="pt-BR"/>
               <a:t>Terceiro nível</a:t>
             </a:r>
+            <a:endParaRPr lang="pt-BR"/>
           </a:p>
           <a:p>
             <a:pPr lvl="3"/>
@@ -8126,6 +7495,7 @@
               <a:rPr lang="pt-BR"/>
               <a:t>Quarto nível</a:t>
             </a:r>
+            <a:endParaRPr lang="pt-BR"/>
           </a:p>
           <a:p>
             <a:pPr lvl="4"/>
@@ -8154,7 +7524,6 @@
           <a:p>
             <a:fld id="{48A87A34-81AB-432B-8DAE-1953F412C126}" type="datetimeFigureOut">
               <a:rPr lang="en-US" dirty="0"/>
-              <a:t>5/29/2017</a:t>
             </a:fld>
             <a:endParaRPr lang="en-US" dirty="0"/>
           </a:p>
@@ -8196,7 +7565,6 @@
           <a:p>
             <a:fld id="{6D22F896-40B5-4ADD-8801-0D06FADFA095}" type="slidenum">
               <a:rPr lang="en-US" dirty="0"/>
-              <a:t>‹nº›</a:t>
             </a:fld>
             <a:endParaRPr lang="en-US" dirty="0"/>
           </a:p>
@@ -8267,7 +7635,6 @@
           <a:p>
             <a:fld id="{48A87A34-81AB-432B-8DAE-1953F412C126}" type="datetimeFigureOut">
               <a:rPr lang="en-US" dirty="0"/>
-              <a:t>5/29/2017</a:t>
             </a:fld>
             <a:endParaRPr lang="en-US" dirty="0"/>
           </a:p>
@@ -8309,7 +7676,6 @@
           <a:p>
             <a:fld id="{6D22F896-40B5-4ADD-8801-0D06FADFA095}" type="slidenum">
               <a:rPr lang="en-US" dirty="0"/>
-              <a:t>‹nº›</a:t>
             </a:fld>
             <a:endParaRPr lang="en-US" dirty="0"/>
           </a:p>
@@ -8357,7 +7723,6 @@
           <a:p>
             <a:fld id="{48A87A34-81AB-432B-8DAE-1953F412C126}" type="datetimeFigureOut">
               <a:rPr lang="en-US" dirty="0"/>
-              <a:t>5/29/2017</a:t>
             </a:fld>
             <a:endParaRPr lang="en-US" dirty="0"/>
           </a:p>
@@ -8399,7 +7764,6 @@
           <a:p>
             <a:fld id="{6D22F896-40B5-4ADD-8801-0D06FADFA095}" type="slidenum">
               <a:rPr lang="en-US" dirty="0"/>
-              <a:t>‹nº›</a:t>
             </a:fld>
             <a:endParaRPr lang="en-US" dirty="0"/>
           </a:p>
@@ -8487,6 +7851,7 @@
               <a:rPr lang="pt-BR"/>
               <a:t>Editar estilos de texto Mestre</a:t>
             </a:r>
+            <a:endParaRPr lang="pt-BR"/>
           </a:p>
           <a:p>
             <a:pPr lvl="1"/>
@@ -8494,6 +7859,7 @@
               <a:rPr lang="pt-BR"/>
               <a:t>Segundo nível</a:t>
             </a:r>
+            <a:endParaRPr lang="pt-BR"/>
           </a:p>
           <a:p>
             <a:pPr lvl="2"/>
@@ -8501,6 +7867,7 @@
               <a:rPr lang="pt-BR"/>
               <a:t>Terceiro nível</a:t>
             </a:r>
+            <a:endParaRPr lang="pt-BR"/>
           </a:p>
           <a:p>
             <a:pPr lvl="3"/>
@@ -8508,6 +7875,7 @@
               <a:rPr lang="pt-BR"/>
               <a:t>Quarto nível</a:t>
             </a:r>
+            <a:endParaRPr lang="pt-BR"/>
           </a:p>
           <a:p>
             <a:pPr lvl="4"/>
@@ -8581,6 +7949,7 @@
               <a:rPr lang="pt-BR"/>
               <a:t>Editar estilos de texto Mestre</a:t>
             </a:r>
+            <a:endParaRPr lang="pt-BR"/>
           </a:p>
         </p:txBody>
       </p:sp>
@@ -8601,7 +7970,6 @@
           <a:p>
             <a:fld id="{48A87A34-81AB-432B-8DAE-1953F412C126}" type="datetimeFigureOut">
               <a:rPr lang="en-US" dirty="0"/>
-              <a:t>5/29/2017</a:t>
             </a:fld>
             <a:endParaRPr lang="en-US" dirty="0"/>
           </a:p>
@@ -8643,7 +8011,6 @@
           <a:p>
             <a:fld id="{6D22F896-40B5-4ADD-8801-0D06FADFA095}" type="slidenum">
               <a:rPr lang="en-US" dirty="0"/>
-              <a:t>‹nº›</a:t>
             </a:fld>
             <a:endParaRPr lang="en-US" dirty="0"/>
           </a:p>
@@ -8856,6 +8223,7 @@
               <a:rPr lang="pt-BR"/>
               <a:t>Editar estilos de texto Mestre</a:t>
             </a:r>
+            <a:endParaRPr lang="pt-BR"/>
           </a:p>
         </p:txBody>
       </p:sp>
@@ -8876,7 +8244,6 @@
           <a:p>
             <a:fld id="{48A87A34-81AB-432B-8DAE-1953F412C126}" type="datetimeFigureOut">
               <a:rPr lang="en-US" dirty="0"/>
-              <a:t>5/29/2017</a:t>
             </a:fld>
             <a:endParaRPr lang="en-US" dirty="0"/>
           </a:p>
@@ -8918,7 +8285,6 @@
           <a:p>
             <a:fld id="{6D22F896-40B5-4ADD-8801-0D06FADFA095}" type="slidenum">
               <a:rPr lang="en-US" dirty="0"/>
-              <a:t>‹nº›</a:t>
             </a:fld>
             <a:endParaRPr lang="en-US" dirty="0"/>
           </a:p>
@@ -8963,7 +8329,7 @@
           <p:nvPr/>
         </p:nvPicPr>
         <p:blipFill>
-          <a:blip r:embed="rId19">
+          <a:blip r:embed="rId18">
             <a:alphaModFix amt="30000"/>
             <a:extLst>
               <a:ext uri="{28A0092B-C50C-407E-A947-70E740481C1C}">
@@ -8985,15 +8351,6 @@
             <a:avLst/>
           </a:prstGeom>
           <a:noFill/>
-          <a:extLst>
-            <a:ext uri="{909E8E84-426E-40dd-AFC4-6F175D3DCCD1}">
-              <a14:hiddenFill xmlns:a14="http://schemas.microsoft.com/office/drawing/2010/main" xmlns="">
-                <a:solidFill>
-                  <a:srgbClr val="FFFFFF"/>
-                </a:solidFill>
-              </a14:hiddenFill>
-            </a:ext>
-          </a:extLst>
         </p:spPr>
       </p:pic>
       <p:grpSp>
@@ -9059,18 +8416,6 @@
               <a:ln>
                 <a:noFill/>
               </a:ln>
-              <a:extLst>
-                <a:ext uri="{91240B29-F687-4f45-9708-019B960494DF}">
-                  <a14:hiddenLine xmlns:a14="http://schemas.microsoft.com/office/drawing/2010/main" xmlns="" w="9525">
-                    <a:solidFill>
-                      <a:srgbClr val="000000"/>
-                    </a:solidFill>
-                    <a:miter lim="800000"/>
-                    <a:headEnd/>
-                    <a:tailEnd/>
-                  </a14:hiddenLine>
-                </a:ext>
-              </a:extLst>
             </p:spPr>
           </p:sp>
           <p:sp>
@@ -9149,18 +8494,6 @@
               <a:ln>
                 <a:noFill/>
               </a:ln>
-              <a:extLst>
-                <a:ext uri="{91240B29-F687-4f45-9708-019B960494DF}">
-                  <a14:hiddenLine xmlns:a14="http://schemas.microsoft.com/office/drawing/2010/main" xmlns="" w="9525">
-                    <a:solidFill>
-                      <a:srgbClr val="000000"/>
-                    </a:solidFill>
-                    <a:round/>
-                    <a:headEnd/>
-                    <a:tailEnd/>
-                  </a14:hiddenLine>
-                </a:ext>
-              </a:extLst>
             </p:spPr>
           </p:sp>
           <p:sp>
@@ -9239,18 +8572,6 @@
               <a:ln>
                 <a:noFill/>
               </a:ln>
-              <a:extLst>
-                <a:ext uri="{91240B29-F687-4f45-9708-019B960494DF}">
-                  <a14:hiddenLine xmlns:a14="http://schemas.microsoft.com/office/drawing/2010/main" xmlns="" w="9525">
-                    <a:solidFill>
-                      <a:srgbClr val="000000"/>
-                    </a:solidFill>
-                    <a:round/>
-                    <a:headEnd/>
-                    <a:tailEnd/>
-                  </a14:hiddenLine>
-                </a:ext>
-              </a:extLst>
             </p:spPr>
           </p:sp>
           <p:sp>
@@ -9301,18 +8622,6 @@
               <a:ln>
                 <a:noFill/>
               </a:ln>
-              <a:extLst>
-                <a:ext uri="{91240B29-F687-4f45-9708-019B960494DF}">
-                  <a14:hiddenLine xmlns:a14="http://schemas.microsoft.com/office/drawing/2010/main" xmlns="" w="9525">
-                    <a:solidFill>
-                      <a:srgbClr val="000000"/>
-                    </a:solidFill>
-                    <a:round/>
-                    <a:headEnd/>
-                    <a:tailEnd/>
-                  </a14:hiddenLine>
-                </a:ext>
-              </a:extLst>
             </p:spPr>
           </p:sp>
           <p:sp>
@@ -9391,18 +8700,6 @@
               <a:ln>
                 <a:noFill/>
               </a:ln>
-              <a:extLst>
-                <a:ext uri="{91240B29-F687-4f45-9708-019B960494DF}">
-                  <a14:hiddenLine xmlns:a14="http://schemas.microsoft.com/office/drawing/2010/main" xmlns="" w="9525">
-                    <a:solidFill>
-                      <a:srgbClr val="000000"/>
-                    </a:solidFill>
-                    <a:round/>
-                    <a:headEnd/>
-                    <a:tailEnd/>
-                  </a14:hiddenLine>
-                </a:ext>
-              </a:extLst>
             </p:spPr>
           </p:sp>
           <p:sp>
@@ -9453,18 +8750,6 @@
               <a:ln>
                 <a:noFill/>
               </a:ln>
-              <a:extLst>
-                <a:ext uri="{91240B29-F687-4f45-9708-019B960494DF}">
-                  <a14:hiddenLine xmlns:a14="http://schemas.microsoft.com/office/drawing/2010/main" xmlns="" w="9525">
-                    <a:solidFill>
-                      <a:srgbClr val="000000"/>
-                    </a:solidFill>
-                    <a:round/>
-                    <a:headEnd/>
-                    <a:tailEnd/>
-                  </a14:hiddenLine>
-                </a:ext>
-              </a:extLst>
             </p:spPr>
           </p:sp>
           <p:sp>
@@ -9515,18 +8800,6 @@
               <a:ln>
                 <a:noFill/>
               </a:ln>
-              <a:extLst>
-                <a:ext uri="{91240B29-F687-4f45-9708-019B960494DF}">
-                  <a14:hiddenLine xmlns:a14="http://schemas.microsoft.com/office/drawing/2010/main" xmlns="" w="9525">
-                    <a:solidFill>
-                      <a:srgbClr val="000000"/>
-                    </a:solidFill>
-                    <a:round/>
-                    <a:headEnd/>
-                    <a:tailEnd/>
-                  </a14:hiddenLine>
-                </a:ext>
-              </a:extLst>
             </p:spPr>
           </p:sp>
           <p:sp>
@@ -9605,18 +8878,6 @@
               <a:ln>
                 <a:noFill/>
               </a:ln>
-              <a:extLst>
-                <a:ext uri="{91240B29-F687-4f45-9708-019B960494DF}">
-                  <a14:hiddenLine xmlns:a14="http://schemas.microsoft.com/office/drawing/2010/main" xmlns="" w="9525">
-                    <a:solidFill>
-                      <a:srgbClr val="000000"/>
-                    </a:solidFill>
-                    <a:round/>
-                    <a:headEnd/>
-                    <a:tailEnd/>
-                  </a14:hiddenLine>
-                </a:ext>
-              </a:extLst>
             </p:spPr>
           </p:sp>
           <p:sp>
@@ -9695,18 +8956,6 @@
               <a:ln>
                 <a:noFill/>
               </a:ln>
-              <a:extLst>
-                <a:ext uri="{91240B29-F687-4f45-9708-019B960494DF}">
-                  <a14:hiddenLine xmlns:a14="http://schemas.microsoft.com/office/drawing/2010/main" xmlns="" w="9525">
-                    <a:solidFill>
-                      <a:srgbClr val="000000"/>
-                    </a:solidFill>
-                    <a:round/>
-                    <a:headEnd/>
-                    <a:tailEnd/>
-                  </a14:hiddenLine>
-                </a:ext>
-              </a:extLst>
             </p:spPr>
           </p:sp>
           <p:sp>
@@ -9757,18 +9006,6 @@
               <a:ln>
                 <a:noFill/>
               </a:ln>
-              <a:extLst>
-                <a:ext uri="{91240B29-F687-4f45-9708-019B960494DF}">
-                  <a14:hiddenLine xmlns:a14="http://schemas.microsoft.com/office/drawing/2010/main" xmlns="" w="9525">
-                    <a:solidFill>
-                      <a:srgbClr val="000000"/>
-                    </a:solidFill>
-                    <a:round/>
-                    <a:headEnd/>
-                    <a:tailEnd/>
-                  </a14:hiddenLine>
-                </a:ext>
-              </a:extLst>
             </p:spPr>
           </p:sp>
           <p:sp>
@@ -9867,18 +9104,6 @@
               <a:ln>
                 <a:noFill/>
               </a:ln>
-              <a:extLst>
-                <a:ext uri="{91240B29-F687-4f45-9708-019B960494DF}">
-                  <a14:hiddenLine xmlns:a14="http://schemas.microsoft.com/office/drawing/2010/main" xmlns="" w="9525">
-                    <a:solidFill>
-                      <a:srgbClr val="000000"/>
-                    </a:solidFill>
-                    <a:round/>
-                    <a:headEnd/>
-                    <a:tailEnd/>
-                  </a14:hiddenLine>
-                </a:ext>
-              </a:extLst>
             </p:spPr>
           </p:sp>
           <p:sp>
@@ -9904,8 +9129,6 @@
                 </a:solidFill>
                 <a:prstDash val="solid"/>
                 <a:miter lim="800000"/>
-                <a:headEnd/>
-                <a:tailEnd/>
               </a:ln>
             </p:spPr>
           </p:sp>
@@ -9951,18 +9174,6 @@
               <a:ln>
                 <a:noFill/>
               </a:ln>
-              <a:extLst>
-                <a:ext uri="{91240B29-F687-4f45-9708-019B960494DF}">
-                  <a14:hiddenLine xmlns:a14="http://schemas.microsoft.com/office/drawing/2010/main" xmlns="" w="9525">
-                    <a:solidFill>
-                      <a:srgbClr val="000000"/>
-                    </a:solidFill>
-                    <a:round/>
-                    <a:headEnd/>
-                    <a:tailEnd/>
-                  </a14:hiddenLine>
-                </a:ext>
-              </a:extLst>
             </p:spPr>
           </p:sp>
           <p:sp>
@@ -10013,18 +9224,6 @@
               <a:ln>
                 <a:noFill/>
               </a:ln>
-              <a:extLst>
-                <a:ext uri="{91240B29-F687-4f45-9708-019B960494DF}">
-                  <a14:hiddenLine xmlns:a14="http://schemas.microsoft.com/office/drawing/2010/main" xmlns="" w="9525">
-                    <a:solidFill>
-                      <a:srgbClr val="000000"/>
-                    </a:solidFill>
-                    <a:round/>
-                    <a:headEnd/>
-                    <a:tailEnd/>
-                  </a14:hiddenLine>
-                </a:ext>
-              </a:extLst>
             </p:spPr>
           </p:sp>
           <p:sp>
@@ -10075,18 +9274,6 @@
               <a:ln>
                 <a:noFill/>
               </a:ln>
-              <a:extLst>
-                <a:ext uri="{91240B29-F687-4f45-9708-019B960494DF}">
-                  <a14:hiddenLine xmlns:a14="http://schemas.microsoft.com/office/drawing/2010/main" xmlns="" w="9525">
-                    <a:solidFill>
-                      <a:srgbClr val="000000"/>
-                    </a:solidFill>
-                    <a:round/>
-                    <a:headEnd/>
-                    <a:tailEnd/>
-                  </a14:hiddenLine>
-                </a:ext>
-              </a:extLst>
             </p:spPr>
           </p:sp>
           <p:sp>
@@ -10165,18 +9352,6 @@
               <a:ln>
                 <a:noFill/>
               </a:ln>
-              <a:extLst>
-                <a:ext uri="{91240B29-F687-4f45-9708-019B960494DF}">
-                  <a14:hiddenLine xmlns:a14="http://schemas.microsoft.com/office/drawing/2010/main" xmlns="" w="9525">
-                    <a:solidFill>
-                      <a:srgbClr val="000000"/>
-                    </a:solidFill>
-                    <a:round/>
-                    <a:headEnd/>
-                    <a:tailEnd/>
-                  </a14:hiddenLine>
-                </a:ext>
-              </a:extLst>
             </p:spPr>
           </p:sp>
           <p:sp>
@@ -10199,18 +9374,6 @@
               <a:ln>
                 <a:noFill/>
               </a:ln>
-              <a:extLst>
-                <a:ext uri="{91240B29-F687-4f45-9708-019B960494DF}">
-                  <a14:hiddenLine xmlns:a14="http://schemas.microsoft.com/office/drawing/2010/main" xmlns="" w="9525">
-                    <a:solidFill>
-                      <a:srgbClr val="000000"/>
-                    </a:solidFill>
-                    <a:miter lim="800000"/>
-                    <a:headEnd/>
-                    <a:tailEnd/>
-                  </a14:hiddenLine>
-                </a:ext>
-              </a:extLst>
             </p:spPr>
           </p:sp>
           <p:sp>
@@ -10264,18 +9427,6 @@
               <a:ln>
                 <a:noFill/>
               </a:ln>
-              <a:extLst>
-                <a:ext uri="{91240B29-F687-4f45-9708-019B960494DF}">
-                  <a14:hiddenLine xmlns:a14="http://schemas.microsoft.com/office/drawing/2010/main" xmlns="" w="9525">
-                    <a:solidFill>
-                      <a:srgbClr val="000000"/>
-                    </a:solidFill>
-                    <a:round/>
-                    <a:headEnd/>
-                    <a:tailEnd/>
-                  </a14:hiddenLine>
-                </a:ext>
-              </a:extLst>
             </p:spPr>
           </p:sp>
           <p:sp>
@@ -10354,18 +9505,6 @@
               <a:ln>
                 <a:noFill/>
               </a:ln>
-              <a:extLst>
-                <a:ext uri="{91240B29-F687-4f45-9708-019B960494DF}">
-                  <a14:hiddenLine xmlns:a14="http://schemas.microsoft.com/office/drawing/2010/main" xmlns="" w="9525">
-                    <a:solidFill>
-                      <a:srgbClr val="000000"/>
-                    </a:solidFill>
-                    <a:round/>
-                    <a:headEnd/>
-                    <a:tailEnd/>
-                  </a14:hiddenLine>
-                </a:ext>
-              </a:extLst>
             </p:spPr>
           </p:sp>
           <p:sp>
@@ -10416,18 +9555,6 @@
               <a:ln>
                 <a:noFill/>
               </a:ln>
-              <a:extLst>
-                <a:ext uri="{91240B29-F687-4f45-9708-019B960494DF}">
-                  <a14:hiddenLine xmlns:a14="http://schemas.microsoft.com/office/drawing/2010/main" xmlns="" w="9525">
-                    <a:solidFill>
-                      <a:srgbClr val="000000"/>
-                    </a:solidFill>
-                    <a:round/>
-                    <a:headEnd/>
-                    <a:tailEnd/>
-                  </a14:hiddenLine>
-                </a:ext>
-              </a:extLst>
             </p:spPr>
           </p:sp>
           <p:sp>
@@ -10506,18 +9633,6 @@
               <a:ln>
                 <a:noFill/>
               </a:ln>
-              <a:extLst>
-                <a:ext uri="{91240B29-F687-4f45-9708-019B960494DF}">
-                  <a14:hiddenLine xmlns:a14="http://schemas.microsoft.com/office/drawing/2010/main" xmlns="" w="9525">
-                    <a:solidFill>
-                      <a:srgbClr val="000000"/>
-                    </a:solidFill>
-                    <a:round/>
-                    <a:headEnd/>
-                    <a:tailEnd/>
-                  </a14:hiddenLine>
-                </a:ext>
-              </a:extLst>
             </p:spPr>
           </p:sp>
           <p:sp>
@@ -10571,18 +9686,6 @@
               <a:ln>
                 <a:noFill/>
               </a:ln>
-              <a:extLst>
-                <a:ext uri="{91240B29-F687-4f45-9708-019B960494DF}">
-                  <a14:hiddenLine xmlns:a14="http://schemas.microsoft.com/office/drawing/2010/main" xmlns="" w="9525">
-                    <a:solidFill>
-                      <a:srgbClr val="000000"/>
-                    </a:solidFill>
-                    <a:round/>
-                    <a:headEnd/>
-                    <a:tailEnd/>
-                  </a14:hiddenLine>
-                </a:ext>
-              </a:extLst>
             </p:spPr>
           </p:sp>
           <p:sp>
@@ -10633,18 +9736,6 @@
               <a:ln>
                 <a:noFill/>
               </a:ln>
-              <a:extLst>
-                <a:ext uri="{91240B29-F687-4f45-9708-019B960494DF}">
-                  <a14:hiddenLine xmlns:a14="http://schemas.microsoft.com/office/drawing/2010/main" xmlns="" w="9525">
-                    <a:solidFill>
-                      <a:srgbClr val="000000"/>
-                    </a:solidFill>
-                    <a:round/>
-                    <a:headEnd/>
-                    <a:tailEnd/>
-                  </a14:hiddenLine>
-                </a:ext>
-              </a:extLst>
             </p:spPr>
           </p:sp>
           <p:sp>
@@ -10723,18 +9814,6 @@
               <a:ln>
                 <a:noFill/>
               </a:ln>
-              <a:extLst>
-                <a:ext uri="{91240B29-F687-4f45-9708-019B960494DF}">
-                  <a14:hiddenLine xmlns:a14="http://schemas.microsoft.com/office/drawing/2010/main" xmlns="" w="9525">
-                    <a:solidFill>
-                      <a:srgbClr val="000000"/>
-                    </a:solidFill>
-                    <a:round/>
-                    <a:headEnd/>
-                    <a:tailEnd/>
-                  </a14:hiddenLine>
-                </a:ext>
-              </a:extLst>
             </p:spPr>
           </p:sp>
           <p:sp>
@@ -10813,18 +9892,6 @@
               <a:ln>
                 <a:noFill/>
               </a:ln>
-              <a:extLst>
-                <a:ext uri="{91240B29-F687-4f45-9708-019B960494DF}">
-                  <a14:hiddenLine xmlns:a14="http://schemas.microsoft.com/office/drawing/2010/main" xmlns="" w="9525">
-                    <a:solidFill>
-                      <a:srgbClr val="000000"/>
-                    </a:solidFill>
-                    <a:round/>
-                    <a:headEnd/>
-                    <a:tailEnd/>
-                  </a14:hiddenLine>
-                </a:ext>
-              </a:extLst>
             </p:spPr>
           </p:sp>
           <p:sp>
@@ -10878,18 +9945,6 @@
               <a:ln>
                 <a:noFill/>
               </a:ln>
-              <a:extLst>
-                <a:ext uri="{91240B29-F687-4f45-9708-019B960494DF}">
-                  <a14:hiddenLine xmlns:a14="http://schemas.microsoft.com/office/drawing/2010/main" xmlns="" w="9525">
-                    <a:solidFill>
-                      <a:srgbClr val="000000"/>
-                    </a:solidFill>
-                    <a:round/>
-                    <a:headEnd/>
-                    <a:tailEnd/>
-                  </a14:hiddenLine>
-                </a:ext>
-              </a:extLst>
             </p:spPr>
           </p:sp>
           <p:sp>
@@ -10998,18 +10053,6 @@
               <a:ln>
                 <a:noFill/>
               </a:ln>
-              <a:extLst>
-                <a:ext uri="{91240B29-F687-4f45-9708-019B960494DF}">
-                  <a14:hiddenLine xmlns:a14="http://schemas.microsoft.com/office/drawing/2010/main" xmlns="" w="9525">
-                    <a:solidFill>
-                      <a:srgbClr val="000000"/>
-                    </a:solidFill>
-                    <a:round/>
-                    <a:headEnd/>
-                    <a:tailEnd/>
-                  </a14:hiddenLine>
-                </a:ext>
-              </a:extLst>
             </p:spPr>
           </p:sp>
         </p:grpSp>
@@ -11096,18 +10139,6 @@
               <a:ln>
                 <a:noFill/>
               </a:ln>
-              <a:extLst>
-                <a:ext uri="{91240B29-F687-4f45-9708-019B960494DF}">
-                  <a14:hiddenLine xmlns:a14="http://schemas.microsoft.com/office/drawing/2010/main" xmlns="" w="9525">
-                    <a:solidFill>
-                      <a:srgbClr val="000000"/>
-                    </a:solidFill>
-                    <a:round/>
-                    <a:headEnd/>
-                    <a:tailEnd/>
-                  </a14:hiddenLine>
-                </a:ext>
-              </a:extLst>
             </p:spPr>
           </p:sp>
           <p:sp>
@@ -11211,18 +10242,6 @@
               <a:ln>
                 <a:noFill/>
               </a:ln>
-              <a:extLst>
-                <a:ext uri="{91240B29-F687-4f45-9708-019B960494DF}">
-                  <a14:hiddenLine xmlns:a14="http://schemas.microsoft.com/office/drawing/2010/main" xmlns="" w="9525">
-                    <a:solidFill>
-                      <a:srgbClr val="000000"/>
-                    </a:solidFill>
-                    <a:round/>
-                    <a:headEnd/>
-                    <a:tailEnd/>
-                  </a14:hiddenLine>
-                </a:ext>
-              </a:extLst>
             </p:spPr>
           </p:sp>
           <p:sp>
@@ -11301,18 +10320,6 @@
               <a:ln>
                 <a:noFill/>
               </a:ln>
-              <a:extLst>
-                <a:ext uri="{91240B29-F687-4f45-9708-019B960494DF}">
-                  <a14:hiddenLine xmlns:a14="http://schemas.microsoft.com/office/drawing/2010/main" xmlns="" w="9525">
-                    <a:solidFill>
-                      <a:srgbClr val="000000"/>
-                    </a:solidFill>
-                    <a:round/>
-                    <a:headEnd/>
-                    <a:tailEnd/>
-                  </a14:hiddenLine>
-                </a:ext>
-              </a:extLst>
             </p:spPr>
           </p:sp>
           <p:sp>
@@ -11366,18 +10373,6 @@
               <a:ln>
                 <a:noFill/>
               </a:ln>
-              <a:extLst>
-                <a:ext uri="{91240B29-F687-4f45-9708-019B960494DF}">
-                  <a14:hiddenLine xmlns:a14="http://schemas.microsoft.com/office/drawing/2010/main" xmlns="" w="9525">
-                    <a:solidFill>
-                      <a:srgbClr val="000000"/>
-                    </a:solidFill>
-                    <a:round/>
-                    <a:headEnd/>
-                    <a:tailEnd/>
-                  </a14:hiddenLine>
-                </a:ext>
-              </a:extLst>
             </p:spPr>
           </p:sp>
           <p:sp>
@@ -11456,18 +10451,6 @@
               <a:ln>
                 <a:noFill/>
               </a:ln>
-              <a:extLst>
-                <a:ext uri="{91240B29-F687-4f45-9708-019B960494DF}">
-                  <a14:hiddenLine xmlns:a14="http://schemas.microsoft.com/office/drawing/2010/main" xmlns="" w="9525">
-                    <a:solidFill>
-                      <a:srgbClr val="000000"/>
-                    </a:solidFill>
-                    <a:round/>
-                    <a:headEnd/>
-                    <a:tailEnd/>
-                  </a14:hiddenLine>
-                </a:ext>
-              </a:extLst>
             </p:spPr>
           </p:sp>
           <p:sp>
@@ -11524,18 +10507,6 @@
               <a:ln>
                 <a:noFill/>
               </a:ln>
-              <a:extLst>
-                <a:ext uri="{91240B29-F687-4f45-9708-019B960494DF}">
-                  <a14:hiddenLine xmlns:a14="http://schemas.microsoft.com/office/drawing/2010/main" xmlns="" w="9525">
-                    <a:solidFill>
-                      <a:srgbClr val="000000"/>
-                    </a:solidFill>
-                    <a:round/>
-                    <a:headEnd/>
-                    <a:tailEnd/>
-                  </a14:hiddenLine>
-                </a:ext>
-              </a:extLst>
             </p:spPr>
           </p:sp>
           <p:sp>
@@ -11614,18 +10585,6 @@
               <a:ln>
                 <a:noFill/>
               </a:ln>
-              <a:extLst>
-                <a:ext uri="{91240B29-F687-4f45-9708-019B960494DF}">
-                  <a14:hiddenLine xmlns:a14="http://schemas.microsoft.com/office/drawing/2010/main" xmlns="" w="9525">
-                    <a:solidFill>
-                      <a:srgbClr val="000000"/>
-                    </a:solidFill>
-                    <a:round/>
-                    <a:headEnd/>
-                    <a:tailEnd/>
-                  </a14:hiddenLine>
-                </a:ext>
-              </a:extLst>
             </p:spPr>
           </p:sp>
           <p:sp>
@@ -11682,18 +10641,6 @@
               <a:ln>
                 <a:noFill/>
               </a:ln>
-              <a:extLst>
-                <a:ext uri="{91240B29-F687-4f45-9708-019B960494DF}">
-                  <a14:hiddenLine xmlns:a14="http://schemas.microsoft.com/office/drawing/2010/main" xmlns="" w="9525">
-                    <a:solidFill>
-                      <a:srgbClr val="000000"/>
-                    </a:solidFill>
-                    <a:round/>
-                    <a:headEnd/>
-                    <a:tailEnd/>
-                  </a14:hiddenLine>
-                </a:ext>
-              </a:extLst>
             </p:spPr>
           </p:sp>
           <p:sp>
@@ -11772,18 +10719,6 @@
               <a:ln>
                 <a:noFill/>
               </a:ln>
-              <a:extLst>
-                <a:ext uri="{91240B29-F687-4f45-9708-019B960494DF}">
-                  <a14:hiddenLine xmlns:a14="http://schemas.microsoft.com/office/drawing/2010/main" xmlns="" w="9525">
-                    <a:solidFill>
-                      <a:srgbClr val="000000"/>
-                    </a:solidFill>
-                    <a:round/>
-                    <a:headEnd/>
-                    <a:tailEnd/>
-                  </a14:hiddenLine>
-                </a:ext>
-              </a:extLst>
             </p:spPr>
           </p:sp>
           <p:sp>
@@ -11806,18 +10741,6 @@
               <a:ln>
                 <a:noFill/>
               </a:ln>
-              <a:extLst>
-                <a:ext uri="{91240B29-F687-4f45-9708-019B960494DF}">
-                  <a14:hiddenLine xmlns:a14="http://schemas.microsoft.com/office/drawing/2010/main" xmlns="" w="9525">
-                    <a:solidFill>
-                      <a:srgbClr val="000000"/>
-                    </a:solidFill>
-                    <a:miter lim="800000"/>
-                    <a:headEnd/>
-                    <a:tailEnd/>
-                  </a14:hiddenLine>
-                </a:ext>
-              </a:extLst>
             </p:spPr>
           </p:sp>
         </p:grpSp>
@@ -11881,6 +10804,7 @@
               <a:rPr lang="pt-BR"/>
               <a:t>Editar estilos de texto Mestre</a:t>
             </a:r>
+            <a:endParaRPr lang="pt-BR"/>
           </a:p>
           <a:p>
             <a:pPr lvl="1"/>
@@ -11888,6 +10812,7 @@
               <a:rPr lang="pt-BR"/>
               <a:t>Segundo nível</a:t>
             </a:r>
+            <a:endParaRPr lang="pt-BR"/>
           </a:p>
           <a:p>
             <a:pPr lvl="2"/>
@@ -11895,6 +10820,7 @@
               <a:rPr lang="pt-BR"/>
               <a:t>Terceiro nível</a:t>
             </a:r>
+            <a:endParaRPr lang="pt-BR"/>
           </a:p>
           <a:p>
             <a:pPr lvl="3"/>
@@ -11902,6 +10828,7 @@
               <a:rPr lang="pt-BR"/>
               <a:t>Quarto nível</a:t>
             </a:r>
+            <a:endParaRPr lang="pt-BR"/>
           </a:p>
           <a:p>
             <a:pPr lvl="4"/>
@@ -11948,8 +10875,6 @@
           <a:p>
             <a:fld id="{48A87A34-81AB-432B-8DAE-1953F412C126}" type="datetimeFigureOut">
               <a:rPr lang="en-US" dirty="0"/>
-              <a:pPr/>
-              <a:t>5/29/2017</a:t>
             </a:fld>
             <a:endParaRPr lang="en-US" dirty="0"/>
           </a:p>
@@ -12027,8 +10952,6 @@
           <a:p>
             <a:fld id="{6D22F896-40B5-4ADD-8801-0D06FADFA095}" type="slidenum">
               <a:rPr lang="en-US" dirty="0"/>
-              <a:pPr/>
-              <a:t>‹nº›</a:t>
             </a:fld>
             <a:endParaRPr lang="en-US" dirty="0"/>
           </a:p>
@@ -12047,14 +10970,14 @@
     <p:sldLayoutId id="2147483655" r:id="rId7"/>
     <p:sldLayoutId id="2147483656" r:id="rId8"/>
     <p:sldLayoutId id="2147483657" r:id="rId9"/>
-    <p:sldLayoutId id="2147483660" r:id="rId10"/>
-    <p:sldLayoutId id="2147483661" r:id="rId11"/>
-    <p:sldLayoutId id="2147483666" r:id="rId12"/>
-    <p:sldLayoutId id="2147483663" r:id="rId13"/>
-    <p:sldLayoutId id="2147483667" r:id="rId14"/>
-    <p:sldLayoutId id="2147483668" r:id="rId15"/>
-    <p:sldLayoutId id="2147483658" r:id="rId16"/>
-    <p:sldLayoutId id="2147483659" r:id="rId17"/>
+    <p:sldLayoutId id="2147483658" r:id="rId10"/>
+    <p:sldLayoutId id="2147483659" r:id="rId11"/>
+    <p:sldLayoutId id="2147483660" r:id="rId12"/>
+    <p:sldLayoutId id="2147483661" r:id="rId13"/>
+    <p:sldLayoutId id="2147483662" r:id="rId14"/>
+    <p:sldLayoutId id="2147483663" r:id="rId15"/>
+    <p:sldLayoutId id="2147483664" r:id="rId16"/>
+    <p:sldLayoutId id="2147483665" r:id="rId17"/>
   </p:sldLayoutIdLst>
   <p:txStyles>
     <p:titleStyle>
@@ -12368,9 +11291,7 @@
       <p:sp>
         <p:nvSpPr>
           <p:cNvPr id="5" name="Título 1"/>
-          <p:cNvSpPr txBox="1">
-            <a:spLocks/>
-          </p:cNvSpPr>
+          <p:cNvSpPr txBox="1"/>
           <p:nvPr/>
         </p:nvSpPr>
         <p:spPr>
@@ -12419,15 +11340,14 @@
               <a:rPr lang="pt-BR" b="1" dirty="0"/>
               <a:t> </a:t>
             </a:r>
+            <a:endParaRPr lang="pt-BR" b="1" dirty="0"/>
           </a:p>
         </p:txBody>
       </p:sp>
       <p:sp>
         <p:nvSpPr>
           <p:cNvPr id="6" name="Espaço Reservado para Conteúdo 2"/>
-          <p:cNvSpPr txBox="1">
-            <a:spLocks/>
-          </p:cNvSpPr>
+          <p:cNvSpPr txBox="1"/>
           <p:nvPr/>
         </p:nvSpPr>
         <p:spPr>
@@ -12441,7 +11361,7 @@
         </p:spPr>
         <p:txBody>
           <a:bodyPr vert="horz" lIns="91440" tIns="45720" rIns="91440" bIns="45720" rtlCol="0">
-            <a:normAutofit fontScale="85000" lnSpcReduction="10000"/>
+            <a:normAutofit fontScale="75000" lnSpcReduction="10000"/>
           </a:bodyPr>
           <a:lstStyle>
             <a:lvl1pPr marL="0" indent="0" algn="l" defTabSz="914400" rtl="0" eaLnBrk="1" latinLnBrk="0" hangingPunct="1">
@@ -12621,24 +11541,28 @@
               <a:rPr lang="pt-BR" b="1" dirty="0"/>
               <a:t>Professores orientadores:</a:t>
             </a:r>
+            <a:endParaRPr lang="pt-BR" b="1" dirty="0"/>
           </a:p>
           <a:p>
             <a:r>
               <a:rPr lang="pt-BR" dirty="0"/>
               <a:t>Alessandro Monteiro Lima</a:t>
             </a:r>
+            <a:endParaRPr lang="pt-BR" dirty="0"/>
           </a:p>
           <a:p>
             <a:r>
               <a:rPr lang="pt-BR" dirty="0"/>
               <a:t>ALEXANDRE LUNA</a:t>
             </a:r>
+            <a:endParaRPr lang="pt-BR" dirty="0"/>
           </a:p>
           <a:p>
             <a:r>
               <a:rPr lang="pt-BR" dirty="0"/>
               <a:t>FERNANDO MONTEIRO</a:t>
             </a:r>
+            <a:endParaRPr lang="pt-BR" dirty="0"/>
           </a:p>
           <a:p>
             <a:r>
@@ -12649,6 +11573,7 @@
               <a:rPr lang="pt-BR" dirty="0"/>
               <a:t> Anderson Félix Pereira</a:t>
             </a:r>
+            <a:endParaRPr lang="pt-BR" dirty="0"/>
           </a:p>
           <a:p>
             <a:endParaRPr lang="pt-BR" dirty="0"/>
@@ -12658,6 +11583,7 @@
               <a:rPr lang="pt-BR" b="1" dirty="0"/>
               <a:t>Equipe:</a:t>
             </a:r>
+            <a:endParaRPr lang="pt-BR" b="1" dirty="0"/>
           </a:p>
           <a:p>
             <a:pPr algn="ctr"/>
@@ -12671,7 +11597,7 @@
             </a:r>
             <a:r>
               <a:rPr lang="pt-BR" dirty="0"/>
-              <a:t>, Luiz Ramos , Emerson Francisco, Rafael </a:t>
+              <a:t>, Luiz Ramos, Emerson Francisco, Rafael </a:t>
             </a:r>
             <a:r>
               <a:rPr lang="pt-BR" dirty="0" err="1"/>
@@ -12681,6 +11607,10 @@
               <a:rPr lang="pt-BR" dirty="0"/>
               <a:t>, </a:t>
             </a:r>
+            <a:endParaRPr lang="pt-BR" dirty="0"/>
+          </a:p>
+          <a:p>
+            <a:pPr algn="ctr"/>
             <a:r>
               <a:rPr lang="pt-BR" dirty="0" err="1"/>
               <a:t>dhiogo</a:t>
@@ -12691,20 +11621,21 @@
             </a:r>
             <a:r>
               <a:rPr lang="pt-BR" dirty="0" err="1"/>
-              <a:t>aciole</a:t>
+              <a:t>acioli</a:t>
             </a:r>
             <a:r>
               <a:rPr lang="pt-BR" dirty="0"/>
-              <a:t>, Matheus ,</a:t>
+              <a:t>, andré Matheus, </a:t>
             </a:r>
             <a:r>
               <a:rPr lang="pt-BR" dirty="0" err="1"/>
-              <a:t>danilo</a:t>
+              <a:t>danilo pereira</a:t>
             </a:r>
             <a:r>
               <a:rPr lang="pt-BR" dirty="0"/>
               <a:t>.</a:t>
             </a:r>
+            <a:endParaRPr lang="pt-BR" dirty="0"/>
           </a:p>
           <a:p>
             <a:endParaRPr lang="pt-BR" dirty="0"/>
@@ -12715,6 +11646,7 @@
               <a:rPr lang="pt-BR" dirty="0"/>
               <a:t>Recife-PE, 08 de  junho de 2015.</a:t>
             </a:r>
+            <a:endParaRPr lang="pt-BR" dirty="0"/>
           </a:p>
         </p:txBody>
       </p:sp>
@@ -12727,7 +11659,7 @@
           <p:nvPr/>
         </p:nvPicPr>
         <p:blipFill>
-          <a:blip r:embed="rId2"/>
+          <a:blip r:embed="rId1"/>
           <a:stretch>
             <a:fillRect/>
           </a:stretch>
@@ -12743,11 +11675,6 @@
         </p:spPr>
       </p:pic>
     </p:spTree>
-    <p:extLst>
-      <p:ext uri="{BB962C8B-B14F-4D97-AF65-F5344CB8AC3E}">
-        <p14:creationId xmlns:p14="http://schemas.microsoft.com/office/powerpoint/2010/main" val="3238500270"/>
-      </p:ext>
-    </p:extLst>
   </p:cSld>
   <p:clrMapOvr>
     <a:masterClrMapping/>
@@ -12817,7 +11744,7 @@
           <p:nvPr/>
         </p:nvPicPr>
         <p:blipFill>
-          <a:blip r:embed="rId2" cstate="print"/>
+          <a:blip r:embed="rId1" cstate="print"/>
           <a:srcRect/>
           <a:stretch>
             <a:fillRect/>
@@ -12849,7 +11776,7 @@
           <p:nvPr/>
         </p:nvPicPr>
         <p:blipFill>
-          <a:blip r:embed="rId3"/>
+          <a:blip r:embed="rId2"/>
           <a:stretch>
             <a:fillRect/>
           </a:stretch>
@@ -12865,11 +11792,6 @@
         </p:spPr>
       </p:pic>
     </p:spTree>
-    <p:extLst>
-      <p:ext uri="{BB962C8B-B14F-4D97-AF65-F5344CB8AC3E}">
-        <p14:creationId xmlns:p14="http://schemas.microsoft.com/office/powerpoint/2010/main" val="89774183"/>
-      </p:ext>
-    </p:extLst>
   </p:cSld>
   <p:clrMapOvr>
     <a:masterClrMapping/>
@@ -12935,7 +11857,7 @@
           <p:nvPr/>
         </p:nvPicPr>
         <p:blipFill>
-          <a:blip r:embed="rId2" cstate="print"/>
+          <a:blip r:embed="rId1" cstate="print"/>
           <a:srcRect/>
           <a:stretch>
             <a:fillRect/>
@@ -12967,7 +11889,7 @@
           <p:nvPr/>
         </p:nvPicPr>
         <p:blipFill>
-          <a:blip r:embed="rId3"/>
+          <a:blip r:embed="rId2"/>
           <a:stretch>
             <a:fillRect/>
           </a:stretch>
@@ -12983,11 +11905,6 @@
         </p:spPr>
       </p:pic>
     </p:spTree>
-    <p:extLst>
-      <p:ext uri="{BB962C8B-B14F-4D97-AF65-F5344CB8AC3E}">
-        <p14:creationId xmlns:p14="http://schemas.microsoft.com/office/powerpoint/2010/main" val="2470604673"/>
-      </p:ext>
-    </p:extLst>
   </p:cSld>
   <p:clrMapOvr>
     <a:masterClrMapping/>
@@ -13040,6 +11957,11 @@
               </a:rPr>
               <a:t>Dificuldades/Barreiras</a:t>
             </a:r>
+            <a:endParaRPr lang="pt-BR" dirty="0">
+              <a:solidFill>
+                <a:schemeClr val="bg1"/>
+              </a:solidFill>
+            </a:endParaRPr>
           </a:p>
         </p:txBody>
       </p:sp>
@@ -13087,6 +12009,11 @@
               </a:rPr>
               <a:t>);</a:t>
             </a:r>
+            <a:endParaRPr lang="pt-BR" dirty="0">
+              <a:solidFill>
+                <a:schemeClr val="bg1"/>
+              </a:solidFill>
+            </a:endParaRPr>
           </a:p>
           <a:p>
             <a:r>
@@ -13097,6 +12024,11 @@
               </a:rPr>
               <a:t>Várias Mudanças no Banco;</a:t>
             </a:r>
+            <a:endParaRPr lang="pt-BR" dirty="0">
+              <a:solidFill>
+                <a:schemeClr val="bg1"/>
+              </a:solidFill>
+            </a:endParaRPr>
           </a:p>
           <a:p>
             <a:r>
@@ -13107,6 +12039,11 @@
               </a:rPr>
               <a:t>Algumas Mudanças na Parte Web</a:t>
             </a:r>
+            <a:endParaRPr lang="pt-BR" dirty="0">
+              <a:solidFill>
+                <a:schemeClr val="bg1"/>
+              </a:solidFill>
+            </a:endParaRPr>
           </a:p>
           <a:p>
             <a:r>
@@ -13117,6 +12054,11 @@
               </a:rPr>
               <a:t>Dificuldade em especificar as regras de negócio;</a:t>
             </a:r>
+            <a:endParaRPr lang="pt-BR" dirty="0">
+              <a:solidFill>
+                <a:schemeClr val="bg1"/>
+              </a:solidFill>
+            </a:endParaRPr>
           </a:p>
           <a:p>
             <a:pPr>
@@ -13135,7 +12077,7 @@
           <p:nvPr/>
         </p:nvPicPr>
         <p:blipFill>
-          <a:blip r:embed="rId2"/>
+          <a:blip r:embed="rId1"/>
           <a:stretch>
             <a:fillRect/>
           </a:stretch>
@@ -13151,11 +12093,6 @@
         </p:spPr>
       </p:pic>
     </p:spTree>
-    <p:extLst>
-      <p:ext uri="{BB962C8B-B14F-4D97-AF65-F5344CB8AC3E}">
-        <p14:creationId xmlns:p14="http://schemas.microsoft.com/office/powerpoint/2010/main" val="1203552594"/>
-      </p:ext>
-    </p:extLst>
   </p:cSld>
   <p:clrMapOvr>
     <a:masterClrMapping/>
@@ -13208,6 +12145,11 @@
               </a:rPr>
               <a:t>Lições Aprendidas</a:t>
             </a:r>
+            <a:endParaRPr lang="pt-BR" dirty="0">
+              <a:solidFill>
+                <a:schemeClr val="bg1"/>
+              </a:solidFill>
+            </a:endParaRPr>
           </a:p>
         </p:txBody>
       </p:sp>
@@ -13239,6 +12181,11 @@
               </a:rPr>
               <a:t>Dedicar tempo e uma equipe para testes;</a:t>
             </a:r>
+            <a:endParaRPr lang="pt-BR" dirty="0">
+              <a:solidFill>
+                <a:schemeClr val="bg1"/>
+              </a:solidFill>
+            </a:endParaRPr>
           </a:p>
           <a:p>
             <a:r>
@@ -13249,6 +12196,11 @@
               </a:rPr>
               <a:t>Definir meios de comunicação;</a:t>
             </a:r>
+            <a:endParaRPr lang="pt-BR" dirty="0">
+              <a:solidFill>
+                <a:schemeClr val="bg1"/>
+              </a:solidFill>
+            </a:endParaRPr>
           </a:p>
           <a:p>
             <a:r>
@@ -13259,6 +12211,11 @@
               </a:rPr>
               <a:t>Avisar a todos os envolvidos as mudanças importantes do projeto;</a:t>
             </a:r>
+            <a:endParaRPr lang="pt-BR" dirty="0">
+              <a:solidFill>
+                <a:schemeClr val="bg1"/>
+              </a:solidFill>
+            </a:endParaRPr>
           </a:p>
           <a:p>
             <a:r>
@@ -13269,6 +12226,11 @@
               </a:rPr>
               <a:t>Buscar entregar ao cliente o bom o suficiente;</a:t>
             </a:r>
+            <a:endParaRPr lang="pt-BR" dirty="0">
+              <a:solidFill>
+                <a:schemeClr val="bg1"/>
+              </a:solidFill>
+            </a:endParaRPr>
           </a:p>
         </p:txBody>
       </p:sp>
@@ -13281,7 +12243,7 @@
           <p:nvPr/>
         </p:nvPicPr>
         <p:blipFill>
-          <a:blip r:embed="rId2"/>
+          <a:blip r:embed="rId1"/>
           <a:stretch>
             <a:fillRect/>
           </a:stretch>
@@ -13297,11 +12259,6 @@
         </p:spPr>
       </p:pic>
     </p:spTree>
-    <p:extLst>
-      <p:ext uri="{BB962C8B-B14F-4D97-AF65-F5344CB8AC3E}">
-        <p14:creationId xmlns:p14="http://schemas.microsoft.com/office/powerpoint/2010/main" val="1263822226"/>
-      </p:ext>
-    </p:extLst>
   </p:cSld>
   <p:clrMapOvr>
     <a:masterClrMapping/>
@@ -13354,6 +12311,11 @@
               </a:rPr>
               <a:t>Perspectivas para próxima Sprints </a:t>
             </a:r>
+            <a:endParaRPr lang="pt-BR" dirty="0">
+              <a:solidFill>
+                <a:schemeClr val="bg1"/>
+              </a:solidFill>
+            </a:endParaRPr>
           </a:p>
         </p:txBody>
       </p:sp>
@@ -13387,6 +12349,11 @@
               </a:rPr>
               <a:t>Cliente Realiza agendamento do Serviço Android;</a:t>
             </a:r>
+            <a:endParaRPr lang="pt-BR" dirty="0">
+              <a:solidFill>
+                <a:schemeClr val="bg1"/>
+              </a:solidFill>
+            </a:endParaRPr>
           </a:p>
           <a:p>
             <a:r>
@@ -13397,6 +12364,11 @@
               </a:rPr>
               <a:t>Cliente Cancela agendamento de Consulta Web/Android;</a:t>
             </a:r>
+            <a:endParaRPr lang="pt-BR" dirty="0">
+              <a:solidFill>
+                <a:schemeClr val="bg1"/>
+              </a:solidFill>
+            </a:endParaRPr>
           </a:p>
           <a:p>
             <a:r>
@@ -13407,6 +12379,11 @@
               </a:rPr>
               <a:t>Cliente Avalia Consulta Web/Android;</a:t>
             </a:r>
+            <a:endParaRPr lang="pt-BR" dirty="0">
+              <a:solidFill>
+                <a:schemeClr val="bg1"/>
+              </a:solidFill>
+            </a:endParaRPr>
           </a:p>
           <a:p>
             <a:r>
@@ -13417,6 +12394,11 @@
               </a:rPr>
               <a:t>Sistema lista serviços escolhido pelo usuários Web/Android;</a:t>
             </a:r>
+            <a:endParaRPr lang="pt-BR" dirty="0">
+              <a:solidFill>
+                <a:schemeClr val="bg1"/>
+              </a:solidFill>
+            </a:endParaRPr>
           </a:p>
           <a:p>
             <a:r>
@@ -13427,6 +12409,11 @@
               </a:rPr>
               <a:t>Profissional Atualiza status dos Serviços;</a:t>
             </a:r>
+            <a:endParaRPr lang="pt-BR" dirty="0">
+              <a:solidFill>
+                <a:schemeClr val="bg1"/>
+              </a:solidFill>
+            </a:endParaRPr>
           </a:p>
           <a:p>
             <a:r>
@@ -13437,6 +12424,11 @@
               </a:rPr>
               <a:t>Cliente Pesquisa histórico dos profissionais;</a:t>
             </a:r>
+            <a:endParaRPr lang="pt-BR" dirty="0">
+              <a:solidFill>
+                <a:schemeClr val="bg1"/>
+              </a:solidFill>
+            </a:endParaRPr>
           </a:p>
           <a:p>
             <a:r>
@@ -13447,6 +12439,11 @@
               </a:rPr>
               <a:t>Cliente Pesquisa Serviços;</a:t>
             </a:r>
+            <a:endParaRPr lang="pt-BR" dirty="0">
+              <a:solidFill>
+                <a:schemeClr val="bg1"/>
+              </a:solidFill>
+            </a:endParaRPr>
           </a:p>
           <a:p>
             <a:r>
@@ -13457,6 +12454,11 @@
               </a:rPr>
               <a:t>Cliente Registra atendimento  Web;</a:t>
             </a:r>
+            <a:endParaRPr lang="pt-BR" dirty="0">
+              <a:solidFill>
+                <a:schemeClr val="bg1"/>
+              </a:solidFill>
+            </a:endParaRPr>
           </a:p>
           <a:p>
             <a:r>
@@ -13467,6 +12469,11 @@
               </a:rPr>
               <a:t>Sistema Notifica ao cliente ou profissional via chat;</a:t>
             </a:r>
+            <a:endParaRPr lang="pt-BR" dirty="0">
+              <a:solidFill>
+                <a:schemeClr val="bg1"/>
+              </a:solidFill>
+            </a:endParaRPr>
           </a:p>
           <a:p>
             <a:r>
@@ -13477,6 +12484,11 @@
               </a:rPr>
               <a:t>Sistema Notifica ao cliente ou profissional no app Android;</a:t>
             </a:r>
+            <a:endParaRPr lang="pt-BR" dirty="0">
+              <a:solidFill>
+                <a:schemeClr val="bg1"/>
+              </a:solidFill>
+            </a:endParaRPr>
           </a:p>
           <a:p>
             <a:r>
@@ -13487,6 +12499,11 @@
               </a:rPr>
               <a:t>Profissional agenda serviço com cliente;</a:t>
             </a:r>
+            <a:endParaRPr lang="pt-BR" dirty="0">
+              <a:solidFill>
+                <a:schemeClr val="bg1"/>
+              </a:solidFill>
+            </a:endParaRPr>
           </a:p>
           <a:p>
             <a:r>
@@ -13497,6 +12514,11 @@
               </a:rPr>
               <a:t>Profissional cancela serviços se estiver algum problema;</a:t>
             </a:r>
+            <a:endParaRPr lang="pt-BR" dirty="0">
+              <a:solidFill>
+                <a:schemeClr val="bg1"/>
+              </a:solidFill>
+            </a:endParaRPr>
           </a:p>
           <a:p>
             <a:endParaRPr lang="pt-BR" dirty="0"/>
@@ -13515,7 +12537,7 @@
           <p:nvPr/>
         </p:nvPicPr>
         <p:blipFill>
-          <a:blip r:embed="rId2"/>
+          <a:blip r:embed="rId1"/>
           <a:stretch>
             <a:fillRect/>
           </a:stretch>
@@ -13531,11 +12553,6 @@
         </p:spPr>
       </p:pic>
     </p:spTree>
-    <p:extLst>
-      <p:ext uri="{BB962C8B-B14F-4D97-AF65-F5344CB8AC3E}">
-        <p14:creationId xmlns:p14="http://schemas.microsoft.com/office/powerpoint/2010/main" val="4259761430"/>
-      </p:ext>
-    </p:extLst>
   </p:cSld>
   <p:clrMapOvr>
     <a:masterClrMapping/>
@@ -13572,7 +12589,7 @@
         </p:nvSpPr>
         <p:spPr>
           <a:xfrm>
-            <a:off x="1347474" y="2777521"/>
+            <a:off x="1347474" y="2152681"/>
             <a:ext cx="9905999" cy="3541714"/>
           </a:xfrm>
         </p:spPr>
@@ -13591,6 +12608,11 @@
               </a:rPr>
               <a:t>Breve descrição do produto (O que é, público-alvo, principais funcionalidades);</a:t>
             </a:r>
+            <a:endParaRPr lang="pt-BR" sz="2800" dirty="0">
+              <a:solidFill>
+                <a:schemeClr val="bg1"/>
+              </a:solidFill>
+            </a:endParaRPr>
           </a:p>
           <a:p>
             <a:r>
@@ -13601,6 +12623,11 @@
               </a:rPr>
               <a:t>Arquitetura do sistema;</a:t>
             </a:r>
+            <a:endParaRPr lang="pt-BR" sz="2800" dirty="0">
+              <a:solidFill>
+                <a:schemeClr val="bg1"/>
+              </a:solidFill>
+            </a:endParaRPr>
           </a:p>
           <a:p>
             <a:pPr algn="just"/>
@@ -13628,6 +12655,11 @@
               </a:rPr>
               <a:t>, Funcionalidades desenvolvidas, Dificuldades/Barreiras);</a:t>
             </a:r>
+            <a:endParaRPr lang="pt-BR" sz="2800" dirty="0">
+              <a:solidFill>
+                <a:schemeClr val="bg1"/>
+              </a:solidFill>
+            </a:endParaRPr>
           </a:p>
           <a:p>
             <a:pPr algn="just"/>
@@ -13639,6 +12671,11 @@
               </a:rPr>
               <a:t>Lições Aprendidas;</a:t>
             </a:r>
+            <a:endParaRPr lang="pt-BR" sz="2800" dirty="0">
+              <a:solidFill>
+                <a:schemeClr val="bg1"/>
+              </a:solidFill>
+            </a:endParaRPr>
           </a:p>
           <a:p>
             <a:pPr algn="just"/>
@@ -13650,6 +12687,11 @@
               </a:rPr>
               <a:t>Perspectivas para as próximas Sprints (Riscos);</a:t>
             </a:r>
+            <a:endParaRPr lang="pt-BR" sz="2800" dirty="0">
+              <a:solidFill>
+                <a:schemeClr val="bg1"/>
+              </a:solidFill>
+            </a:endParaRPr>
           </a:p>
           <a:p>
             <a:r>
@@ -13660,6 +12702,11 @@
               </a:rPr>
               <a:t>Demonstração.</a:t>
             </a:r>
+            <a:endParaRPr lang="pt-BR" sz="2800" dirty="0">
+              <a:solidFill>
+                <a:schemeClr val="bg1"/>
+              </a:solidFill>
+            </a:endParaRPr>
           </a:p>
           <a:p>
             <a:endParaRPr lang="pt-BR" sz="2800" dirty="0">
@@ -13681,7 +12728,7 @@
           <p:nvPr/>
         </p:nvPicPr>
         <p:blipFill>
-          <a:blip r:embed="rId2">
+          <a:blip r:embed="rId1">
             <a:extLst>
               <a:ext uri="{28A0092B-C50C-407E-A947-70E740481C1C}">
                 <a14:useLocalDpi xmlns:a14="http://schemas.microsoft.com/office/drawing/2010/main" val="0"/>
@@ -13743,15 +12790,15 @@
               </a:rPr>
               <a:t>Roteiro </a:t>
             </a:r>
+            <a:endParaRPr lang="pt-BR" dirty="0">
+              <a:solidFill>
+                <a:schemeClr val="bg1"/>
+              </a:solidFill>
+            </a:endParaRPr>
           </a:p>
         </p:txBody>
       </p:sp>
     </p:spTree>
-    <p:extLst>
-      <p:ext uri="{BB962C8B-B14F-4D97-AF65-F5344CB8AC3E}">
-        <p14:creationId xmlns:p14="http://schemas.microsoft.com/office/powerpoint/2010/main" val="716236607"/>
-      </p:ext>
-    </p:extLst>
   </p:cSld>
   <p:clrMapOvr>
     <a:masterClrMapping/>
@@ -13804,6 +12851,11 @@
               </a:rPr>
               <a:t>                            O que é o software?</a:t>
             </a:r>
+            <a:endParaRPr lang="pt-BR" dirty="0">
+              <a:solidFill>
+                <a:schemeClr val="bg1"/>
+              </a:solidFill>
+            </a:endParaRPr>
           </a:p>
         </p:txBody>
       </p:sp>
@@ -13835,6 +12887,11 @@
               </a:rPr>
               <a:t>É um sistema Web e Android para Prestações de Serviços residenciais e Prediais on-line. </a:t>
             </a:r>
+            <a:endParaRPr lang="pt-BR" dirty="0">
+              <a:solidFill>
+                <a:schemeClr val="bg1"/>
+              </a:solidFill>
+            </a:endParaRPr>
           </a:p>
           <a:p>
             <a:endParaRPr lang="pt-BR" dirty="0"/>
@@ -13853,7 +12910,7 @@
           <p:nvPr/>
         </p:nvPicPr>
         <p:blipFill>
-          <a:blip r:embed="rId2"/>
+          <a:blip r:embed="rId1"/>
           <a:stretch>
             <a:fillRect/>
           </a:stretch>
@@ -13869,11 +12926,6 @@
         </p:spPr>
       </p:pic>
     </p:spTree>
-    <p:extLst>
-      <p:ext uri="{BB962C8B-B14F-4D97-AF65-F5344CB8AC3E}">
-        <p14:creationId xmlns:p14="http://schemas.microsoft.com/office/powerpoint/2010/main" val="3877288170"/>
-      </p:ext>
-    </p:extLst>
   </p:cSld>
   <p:clrMapOvr>
     <a:masterClrMapping/>
@@ -13926,6 +12978,11 @@
               </a:rPr>
               <a:t>Público alvo</a:t>
             </a:r>
+            <a:endParaRPr lang="pt-BR" dirty="0">
+              <a:solidFill>
+                <a:schemeClr val="bg1"/>
+              </a:solidFill>
+            </a:endParaRPr>
           </a:p>
         </p:txBody>
       </p:sp>
@@ -13957,6 +13014,11 @@
               </a:rPr>
               <a:t>Residenciais , Apartamento;</a:t>
             </a:r>
+            <a:endParaRPr lang="pt-BR" dirty="0">
+              <a:solidFill>
+                <a:schemeClr val="bg1"/>
+              </a:solidFill>
+            </a:endParaRPr>
           </a:p>
           <a:p>
             <a:pPr marL="0" indent="0">
@@ -13977,6 +13039,11 @@
               </a:rPr>
               <a:t> Profissionais autônomos;</a:t>
             </a:r>
+            <a:endParaRPr lang="pt-BR" dirty="0">
+              <a:solidFill>
+                <a:schemeClr val="bg1"/>
+              </a:solidFill>
+            </a:endParaRPr>
           </a:p>
           <a:p>
             <a:pPr marL="0" indent="0">
@@ -14005,6 +13072,11 @@
               </a:rPr>
               <a:t> visa na prestação de serviços para todas as classes sociais , promovendo a inclusão digital dos pequenos e negócios da base ).</a:t>
             </a:r>
+            <a:endParaRPr lang="pt-BR" dirty="0">
+              <a:solidFill>
+                <a:schemeClr val="bg1"/>
+              </a:solidFill>
+            </a:endParaRPr>
           </a:p>
         </p:txBody>
       </p:sp>
@@ -14017,7 +13089,7 @@
           <p:nvPr/>
         </p:nvPicPr>
         <p:blipFill>
-          <a:blip r:embed="rId2"/>
+          <a:blip r:embed="rId1"/>
           <a:stretch>
             <a:fillRect/>
           </a:stretch>
@@ -14033,11 +13105,6 @@
         </p:spPr>
       </p:pic>
     </p:spTree>
-    <p:extLst>
-      <p:ext uri="{BB962C8B-B14F-4D97-AF65-F5344CB8AC3E}">
-        <p14:creationId xmlns:p14="http://schemas.microsoft.com/office/powerpoint/2010/main" val="4140959657"/>
-      </p:ext>
-    </p:extLst>
   </p:cSld>
   <p:clrMapOvr>
     <a:masterClrMapping/>
@@ -14090,6 +13157,11 @@
               </a:rPr>
               <a:t>Principais Funcionalidades</a:t>
             </a:r>
+            <a:endParaRPr lang="pt-BR" dirty="0">
+              <a:solidFill>
+                <a:schemeClr val="bg1"/>
+              </a:solidFill>
+            </a:endParaRPr>
           </a:p>
         </p:txBody>
       </p:sp>
@@ -14121,6 +13193,11 @@
               </a:rPr>
               <a:t>Buscar Profissional (Especialidade quais serviços ele esta disponível );</a:t>
             </a:r>
+            <a:endParaRPr lang="pt-BR" dirty="0">
+              <a:solidFill>
+                <a:schemeClr val="bg1"/>
+              </a:solidFill>
+            </a:endParaRPr>
           </a:p>
           <a:p>
             <a:r>
@@ -14131,6 +13208,11 @@
               </a:rPr>
               <a:t>Consultar Disponibilidade do Profissional;</a:t>
             </a:r>
+            <a:endParaRPr lang="pt-BR" dirty="0">
+              <a:solidFill>
+                <a:schemeClr val="bg1"/>
+              </a:solidFill>
+            </a:endParaRPr>
           </a:p>
           <a:p>
             <a:r>
@@ -14141,6 +13223,11 @@
               </a:rPr>
               <a:t>Realizar agendamento para que o profissional possa realizar o serviço;</a:t>
             </a:r>
+            <a:endParaRPr lang="pt-BR" dirty="0">
+              <a:solidFill>
+                <a:schemeClr val="bg1"/>
+              </a:solidFill>
+            </a:endParaRPr>
           </a:p>
           <a:p>
             <a:r>
@@ -14151,6 +13238,11 @@
               </a:rPr>
               <a:t>Visualizar histórico dos serviços;</a:t>
             </a:r>
+            <a:endParaRPr lang="pt-BR" dirty="0">
+              <a:solidFill>
+                <a:schemeClr val="bg1"/>
+              </a:solidFill>
+            </a:endParaRPr>
           </a:p>
           <a:p>
             <a:r>
@@ -14161,6 +13253,11 @@
               </a:rPr>
               <a:t>Avaliar o serviços do profissional.</a:t>
             </a:r>
+            <a:endParaRPr lang="pt-BR" dirty="0">
+              <a:solidFill>
+                <a:schemeClr val="bg1"/>
+              </a:solidFill>
+            </a:endParaRPr>
           </a:p>
         </p:txBody>
       </p:sp>
@@ -14173,7 +13270,7 @@
           <p:nvPr/>
         </p:nvPicPr>
         <p:blipFill>
-          <a:blip r:embed="rId2"/>
+          <a:blip r:embed="rId1"/>
           <a:stretch>
             <a:fillRect/>
           </a:stretch>
@@ -14189,11 +13286,6 @@
         </p:spPr>
       </p:pic>
     </p:spTree>
-    <p:extLst>
-      <p:ext uri="{BB962C8B-B14F-4D97-AF65-F5344CB8AC3E}">
-        <p14:creationId xmlns:p14="http://schemas.microsoft.com/office/powerpoint/2010/main" val="3644538892"/>
-      </p:ext>
-    </p:extLst>
   </p:cSld>
   <p:clrMapOvr>
     <a:masterClrMapping/>
@@ -14221,9 +13313,7 @@
       <p:sp>
         <p:nvSpPr>
           <p:cNvPr id="5" name="Título 1"/>
-          <p:cNvSpPr txBox="1">
-            <a:spLocks/>
-          </p:cNvSpPr>
+          <p:cNvSpPr txBox="1"/>
           <p:nvPr/>
         </p:nvSpPr>
         <p:spPr>
@@ -14255,7 +13345,6 @@
               <a:buSzTx/>
               <a:buFontTx/>
               <a:buNone/>
-              <a:tabLst/>
               <a:defRPr/>
             </a:pPr>
             <a:r>
@@ -14275,6 +13364,20 @@
               </a:rPr>
               <a:t>Tecnologias utilizadas</a:t>
             </a:r>
+            <a:endParaRPr kumimoji="0" lang="pt-BR" sz="4500" b="0" i="0" u="none" strike="noStrike" kern="1200" cap="none" spc="0" normalizeH="0" baseline="0" noProof="0" dirty="0">
+              <a:ln>
+                <a:noFill/>
+              </a:ln>
+              <a:solidFill>
+                <a:schemeClr val="tx1"/>
+              </a:solidFill>
+              <a:effectLst/>
+              <a:uLnTx/>
+              <a:uFillTx/>
+              <a:latin typeface="+mj-lt"/>
+              <a:ea typeface="+mj-ea"/>
+              <a:cs typeface="+mj-cs"/>
+            </a:endParaRPr>
           </a:p>
         </p:txBody>
       </p:sp>
@@ -14301,7 +13404,7 @@
             <p:nvPr/>
           </p:nvPicPr>
           <p:blipFill>
-            <a:blip r:embed="rId2" cstate="print">
+            <a:blip r:embed="rId1" cstate="print">
               <a:extLst>
                 <a:ext uri="{28A0092B-C50C-407E-A947-70E740481C1C}">
                   <a14:useLocalDpi xmlns:a14="http://schemas.microsoft.com/office/drawing/2010/main" val="0"/>
@@ -14331,7 +13434,7 @@
             <p:nvPr/>
           </p:nvPicPr>
           <p:blipFill>
-            <a:blip r:embed="rId3" cstate="print">
+            <a:blip r:embed="rId2" cstate="print">
               <a:extLst>
                 <a:ext uri="{28A0092B-C50C-407E-A947-70E740481C1C}">
                   <a14:useLocalDpi xmlns:a14="http://schemas.microsoft.com/office/drawing/2010/main" val="0"/>
@@ -14378,6 +13481,7 @@
                 <a:rPr lang="pt-BR" sz="1400" dirty="0"/>
                 <a:t>Dispositivos móveis com Android 3.0 ou superior.</a:t>
               </a:r>
+              <a:endParaRPr lang="pt-BR" sz="1400" dirty="0"/>
             </a:p>
           </p:txBody>
         </p:sp>
@@ -14407,6 +13511,7 @@
                 <a:rPr lang="pt-BR" sz="1400" dirty="0"/>
                 <a:t>Laptops e desktops com navegador web.</a:t>
               </a:r>
+              <a:endParaRPr lang="pt-BR" sz="1400" dirty="0"/>
             </a:p>
           </p:txBody>
         </p:sp>
@@ -14419,7 +13524,7 @@
             <p:nvPr/>
           </p:nvPicPr>
           <p:blipFill>
-            <a:blip r:embed="rId4" cstate="print">
+            <a:blip r:embed="rId3" cstate="print">
               <a:extLst>
                 <a:ext uri="{28A0092B-C50C-407E-A947-70E740481C1C}">
                   <a14:useLocalDpi xmlns:a14="http://schemas.microsoft.com/office/drawing/2010/main" val="0"/>
@@ -14449,7 +13554,7 @@
             <p:nvPr/>
           </p:nvPicPr>
           <p:blipFill>
-            <a:blip r:embed="rId5" cstate="print">
+            <a:blip r:embed="rId4" cstate="print">
               <a:extLst>
                 <a:ext uri="{28A0092B-C50C-407E-A947-70E740481C1C}">
                   <a14:useLocalDpi xmlns:a14="http://schemas.microsoft.com/office/drawing/2010/main" val="0"/>
@@ -14622,6 +13727,7 @@
                 <a:rPr lang="pt-BR" sz="1600" b="1" dirty="0"/>
                 <a:t>}</a:t>
               </a:r>
+              <a:endParaRPr lang="pt-BR" sz="1600" b="1" dirty="0"/>
             </a:p>
           </p:txBody>
         </p:sp>
@@ -14765,6 +13871,7 @@
                 <a:rPr lang="pt-BR" sz="1400" dirty="0"/>
                 <a:t> &lt;XHTML&gt;</a:t>
               </a:r>
+              <a:endParaRPr lang="pt-BR" sz="1400" dirty="0"/>
             </a:p>
           </p:txBody>
         </p:sp>
@@ -14831,6 +13938,7 @@
                 <a:rPr lang="pt-BR" sz="1400" dirty="0"/>
                 <a:t>- Servidor Web (JSF 2.2 + Prime Faces);</a:t>
               </a:r>
+              <a:endParaRPr lang="pt-BR" sz="1400" dirty="0"/>
             </a:p>
             <a:p>
               <a:r>
@@ -14845,6 +13953,7 @@
                 <a:rPr lang="pt-BR" sz="1400" dirty="0"/>
                 <a:t> (JSON).</a:t>
               </a:r>
+              <a:endParaRPr lang="pt-BR" sz="1400" dirty="0"/>
             </a:p>
           </p:txBody>
         </p:sp>
@@ -14857,7 +13966,7 @@
             <p:nvPr/>
           </p:nvPicPr>
           <p:blipFill>
-            <a:blip r:embed="rId6" cstate="print">
+            <a:blip r:embed="rId5" cstate="print">
               <a:extLst>
                 <a:ext uri="{28A0092B-C50C-407E-A947-70E740481C1C}">
                   <a14:useLocalDpi xmlns:a14="http://schemas.microsoft.com/office/drawing/2010/main" val="0"/>
@@ -14933,7 +14042,7 @@
             <p:nvPr/>
           </p:nvPicPr>
           <p:blipFill>
-            <a:blip r:embed="rId2" cstate="print">
+            <a:blip r:embed="rId1" cstate="print">
               <a:extLst>
                 <a:ext uri="{28A0092B-C50C-407E-A947-70E740481C1C}">
                   <a14:useLocalDpi xmlns:a14="http://schemas.microsoft.com/office/drawing/2010/main" val="0"/>
@@ -14963,7 +14072,7 @@
             <p:nvPr/>
           </p:nvPicPr>
           <p:blipFill>
-            <a:blip r:embed="rId3" cstate="print">
+            <a:blip r:embed="rId2" cstate="print">
               <a:extLst>
                 <a:ext uri="{28A0092B-C50C-407E-A947-70E740481C1C}">
                   <a14:useLocalDpi xmlns:a14="http://schemas.microsoft.com/office/drawing/2010/main" val="0"/>
@@ -15010,6 +14119,7 @@
                 <a:rPr lang="pt-BR" sz="1400" dirty="0"/>
                 <a:t>Dispositivos móveis com Android 3.0 ou superior.</a:t>
               </a:r>
+              <a:endParaRPr lang="pt-BR" sz="1400" dirty="0"/>
             </a:p>
           </p:txBody>
         </p:sp>
@@ -15039,6 +14149,7 @@
                 <a:rPr lang="pt-BR" sz="1400" dirty="0"/>
                 <a:t>Laptops e desktops com navegador web.</a:t>
               </a:r>
+              <a:endParaRPr lang="pt-BR" sz="1400" dirty="0"/>
             </a:p>
           </p:txBody>
         </p:sp>
@@ -15051,7 +14162,7 @@
             <p:nvPr/>
           </p:nvPicPr>
           <p:blipFill>
-            <a:blip r:embed="rId4" cstate="print">
+            <a:blip r:embed="rId3" cstate="print">
               <a:extLst>
                 <a:ext uri="{28A0092B-C50C-407E-A947-70E740481C1C}">
                   <a14:useLocalDpi xmlns:a14="http://schemas.microsoft.com/office/drawing/2010/main" val="0"/>
@@ -15081,7 +14192,7 @@
             <p:nvPr/>
           </p:nvPicPr>
           <p:blipFill>
-            <a:blip r:embed="rId5" cstate="print">
+            <a:blip r:embed="rId4" cstate="print">
               <a:extLst>
                 <a:ext uri="{28A0092B-C50C-407E-A947-70E740481C1C}">
                   <a14:useLocalDpi xmlns:a14="http://schemas.microsoft.com/office/drawing/2010/main" val="0"/>
@@ -15254,6 +14365,7 @@
                 <a:rPr lang="pt-BR" sz="1600" b="1" dirty="0"/>
                 <a:t>}</a:t>
               </a:r>
+              <a:endParaRPr lang="pt-BR" sz="1600" b="1" dirty="0"/>
             </a:p>
           </p:txBody>
         </p:sp>
@@ -15397,6 +14509,7 @@
                 <a:rPr lang="pt-BR" sz="1400" dirty="0"/>
                 <a:t> &lt;XHTML&gt;</a:t>
               </a:r>
+              <a:endParaRPr lang="pt-BR" sz="1400" dirty="0"/>
             </a:p>
           </p:txBody>
         </p:sp>
@@ -15463,6 +14576,7 @@
                 <a:rPr lang="pt-BR" sz="1400" dirty="0"/>
                 <a:t>- Servidor Web (JSF 2.2 + Prime Faces);</a:t>
               </a:r>
+              <a:endParaRPr lang="pt-BR" sz="1400" dirty="0"/>
             </a:p>
             <a:p>
               <a:r>
@@ -15477,6 +14591,7 @@
                 <a:rPr lang="pt-BR" sz="1400" dirty="0"/>
                 <a:t> (JSON).</a:t>
               </a:r>
+              <a:endParaRPr lang="pt-BR" sz="1400" dirty="0"/>
             </a:p>
           </p:txBody>
         </p:sp>
@@ -15489,7 +14604,7 @@
             <p:nvPr/>
           </p:nvPicPr>
           <p:blipFill>
-            <a:blip r:embed="rId6" cstate="print">
+            <a:blip r:embed="rId5" cstate="print">
               <a:extLst>
                 <a:ext uri="{28A0092B-C50C-407E-A947-70E740481C1C}">
                   <a14:useLocalDpi xmlns:a14="http://schemas.microsoft.com/office/drawing/2010/main" val="0"/>
@@ -15543,11 +14658,6 @@
         </p:sp>
       </p:grpSp>
     </p:spTree>
-    <p:extLst>
-      <p:ext uri="{BB962C8B-B14F-4D97-AF65-F5344CB8AC3E}">
-        <p14:creationId xmlns:p14="http://schemas.microsoft.com/office/powerpoint/2010/main" val="3851648796"/>
-      </p:ext>
-    </p:extLst>
   </p:cSld>
   <p:clrMapOvr>
     <a:masterClrMapping/>
@@ -15596,6 +14706,7 @@
               <a:rPr lang="pt-BR" dirty="0"/>
               <a:t>Resultados Alcançados</a:t>
             </a:r>
+            <a:endParaRPr lang="pt-BR" dirty="0"/>
           </a:p>
         </p:txBody>
       </p:sp>
@@ -15607,11 +14718,6 @@
           </p:cNvGraphicFramePr>
           <p:nvPr>
             <p:ph idx="1"/>
-            <p:extLst>
-              <p:ext uri="{D42A27DB-BD31-4B8C-83A1-F6EECF244321}">
-                <p14:modId xmlns:p14="http://schemas.microsoft.com/office/powerpoint/2010/main" val="3902258645"/>
-              </p:ext>
-            </p:extLst>
           </p:nvPr>
         </p:nvGraphicFramePr>
         <p:xfrm>
@@ -15625,34 +14731,10 @@
                 <a:tableStyleId>{93296810-A885-4BE3-A3E7-6D5BEEA58F35}</a:tableStyleId>
               </a:tblPr>
               <a:tblGrid>
-                <a:gridCol w="974905">
-                  <a:extLst>
-                    <a:ext uri="{9D8B030D-6E8A-4147-A177-3AD203B41FA5}">
-                      <a16:colId xmlns:a16="http://schemas.microsoft.com/office/drawing/2014/main" val="20000"/>
-                    </a:ext>
-                  </a:extLst>
-                </a:gridCol>
-                <a:gridCol w="6006671">
-                  <a:extLst>
-                    <a:ext uri="{9D8B030D-6E8A-4147-A177-3AD203B41FA5}">
-                      <a16:colId xmlns:a16="http://schemas.microsoft.com/office/drawing/2014/main" val="20001"/>
-                    </a:ext>
-                  </a:extLst>
-                </a:gridCol>
-                <a:gridCol w="1333674">
-                  <a:extLst>
-                    <a:ext uri="{9D8B030D-6E8A-4147-A177-3AD203B41FA5}">
-                      <a16:colId xmlns:a16="http://schemas.microsoft.com/office/drawing/2014/main" val="20002"/>
-                    </a:ext>
-                  </a:extLst>
-                </a:gridCol>
-                <a:gridCol w="1266074">
-                  <a:extLst>
-                    <a:ext uri="{9D8B030D-6E8A-4147-A177-3AD203B41FA5}">
-                      <a16:colId xmlns:a16="http://schemas.microsoft.com/office/drawing/2014/main" val="20003"/>
-                    </a:ext>
-                  </a:extLst>
-                </a:gridCol>
+                <a:gridCol w="974905"/>
+                <a:gridCol w="6006671"/>
+                <a:gridCol w="1333674"/>
+                <a:gridCol w="1266074"/>
               </a:tblGrid>
               <a:tr h="339235">
                 <a:tc>
@@ -15695,6 +14777,7 @@
                         <a:rPr lang="pt-BR" dirty="0"/>
                         <a:t>INÍCIO</a:t>
                       </a:r>
+                      <a:endParaRPr lang="pt-BR" dirty="0"/>
                     </a:p>
                   </a:txBody>
                   <a:tcPr/>
@@ -15709,15 +14792,11 @@
                         <a:rPr lang="pt-BR" dirty="0"/>
                         <a:t>TÉRMINO</a:t>
                       </a:r>
+                      <a:endParaRPr lang="pt-BR" dirty="0"/>
                     </a:p>
                   </a:txBody>
                   <a:tcPr/>
                 </a:tc>
-                <a:extLst>
-                  <a:ext uri="{0D108BD9-81ED-4DB2-BD59-A6C34878D82A}">
-                    <a16:rowId xmlns:a16="http://schemas.microsoft.com/office/drawing/2014/main" val="10000"/>
-                  </a:ext>
-                </a:extLst>
               </a:tr>
               <a:tr h="1498288">
                 <a:tc>
@@ -15734,6 +14813,7 @@
                         <a:rPr lang="pt-BR" sz="2000" dirty="0"/>
                         <a:t> 01</a:t>
                       </a:r>
+                      <a:endParaRPr lang="pt-BR" sz="2000" dirty="0"/>
                     </a:p>
                   </a:txBody>
                   <a:tcPr/>
@@ -15783,6 +14863,7 @@
                         <a:rPr lang="pt-BR" sz="2000" dirty="0"/>
                         <a:t>27/03/2017</a:t>
                       </a:r>
+                      <a:endParaRPr lang="pt-BR" sz="2000" dirty="0"/>
                     </a:p>
                   </a:txBody>
                   <a:tcPr/>
@@ -15797,15 +14878,11 @@
                         <a:rPr lang="pt-BR" sz="2000" dirty="0"/>
                         <a:t>10/04/2017</a:t>
                       </a:r>
+                      <a:endParaRPr lang="pt-BR" sz="2000" dirty="0"/>
                     </a:p>
                   </a:txBody>
                   <a:tcPr/>
                 </a:tc>
-                <a:extLst>
-                  <a:ext uri="{0D108BD9-81ED-4DB2-BD59-A6C34878D82A}">
-                    <a16:rowId xmlns:a16="http://schemas.microsoft.com/office/drawing/2014/main" val="10001"/>
-                  </a:ext>
-                </a:extLst>
               </a:tr>
               <a:tr h="2063679">
                 <a:tc>
@@ -15822,6 +14899,7 @@
                         <a:rPr lang="pt-BR" sz="2000" dirty="0"/>
                         <a:t> 02</a:t>
                       </a:r>
+                      <a:endParaRPr lang="pt-BR" sz="2000" dirty="0"/>
                     </a:p>
                   </a:txBody>
                   <a:tcPr/>
@@ -15891,6 +14969,7 @@
                         <a:rPr lang="pt-BR" sz="2000" dirty="0"/>
                         <a:t>11/04/2017</a:t>
                       </a:r>
+                      <a:endParaRPr lang="pt-BR" sz="2000" dirty="0"/>
                     </a:p>
                   </a:txBody>
                   <a:tcPr/>
@@ -15905,15 +14984,11 @@
                         <a:rPr lang="pt-BR" sz="2000" dirty="0"/>
                         <a:t>24/04/2017</a:t>
                       </a:r>
+                      <a:endParaRPr lang="pt-BR" sz="2000" dirty="0"/>
                     </a:p>
                   </a:txBody>
                   <a:tcPr/>
                 </a:tc>
-                <a:extLst>
-                  <a:ext uri="{0D108BD9-81ED-4DB2-BD59-A6C34878D82A}">
-                    <a16:rowId xmlns:a16="http://schemas.microsoft.com/office/drawing/2014/main" val="10002"/>
-                  </a:ext>
-                </a:extLst>
               </a:tr>
               <a:tr h="1780984">
                 <a:tc>
@@ -15930,6 +15005,7 @@
                         <a:rPr lang="pt-BR" sz="2000" dirty="0"/>
                         <a:t> 03</a:t>
                       </a:r>
+                      <a:endParaRPr lang="pt-BR" sz="2000" dirty="0"/>
                     </a:p>
                   </a:txBody>
                   <a:tcPr/>
@@ -15964,6 +15040,7 @@
                         <a:rPr lang="pt-BR" sz="2000" baseline="0" dirty="0"/>
                         <a:t>; Cliente busca Profissional -Android, correção de bugs sprint 2.</a:t>
                       </a:r>
+                      <a:endParaRPr lang="pt-BR" sz="2000" baseline="0" dirty="0"/>
                     </a:p>
                     <a:p>
                       <a:pPr algn="l"/>
@@ -15986,6 +15063,7 @@
                         <a:rPr lang="pt-BR" sz="2000" dirty="0"/>
                         <a:t>03/05/2017</a:t>
                       </a:r>
+                      <a:endParaRPr lang="pt-BR" sz="2000" dirty="0"/>
                     </a:p>
                   </a:txBody>
                   <a:tcPr/>
@@ -16000,15 +15078,11 @@
                         <a:rPr lang="pt-BR" sz="2000" dirty="0"/>
                         <a:t>17/05/20147</a:t>
                       </a:r>
+                      <a:endParaRPr lang="pt-BR" sz="2000" dirty="0"/>
                     </a:p>
                   </a:txBody>
                   <a:tcPr/>
                 </a:tc>
-                <a:extLst>
-                  <a:ext uri="{0D108BD9-81ED-4DB2-BD59-A6C34878D82A}">
-                    <a16:rowId xmlns:a16="http://schemas.microsoft.com/office/drawing/2014/main" val="10003"/>
-                  </a:ext>
-                </a:extLst>
               </a:tr>
             </a:tbl>
           </a:graphicData>
@@ -16023,7 +15097,7 @@
           <p:nvPr/>
         </p:nvPicPr>
         <p:blipFill>
-          <a:blip r:embed="rId2"/>
+          <a:blip r:embed="rId1"/>
           <a:stretch>
             <a:fillRect/>
           </a:stretch>
@@ -16039,11 +15113,6 @@
         </p:spPr>
       </p:pic>
     </p:spTree>
-    <p:extLst>
-      <p:ext uri="{BB962C8B-B14F-4D97-AF65-F5344CB8AC3E}">
-        <p14:creationId xmlns:p14="http://schemas.microsoft.com/office/powerpoint/2010/main" val="3985703482"/>
-      </p:ext>
-    </p:extLst>
   </p:cSld>
   <p:clrMapOvr>
     <a:masterClrMapping/>
@@ -16129,7 +15198,7 @@
           <p:nvPr/>
         </p:nvPicPr>
         <p:blipFill>
-          <a:blip r:embed="rId2" cstate="print"/>
+          <a:blip r:embed="rId1" cstate="print"/>
           <a:srcRect/>
           <a:stretch>
             <a:fillRect/>
@@ -16161,7 +15230,7 @@
           <p:nvPr/>
         </p:nvPicPr>
         <p:blipFill>
-          <a:blip r:embed="rId3"/>
+          <a:blip r:embed="rId2"/>
           <a:stretch>
             <a:fillRect/>
           </a:stretch>
@@ -16177,11 +15246,6 @@
         </p:spPr>
       </p:pic>
     </p:spTree>
-    <p:extLst>
-      <p:ext uri="{BB962C8B-B14F-4D97-AF65-F5344CB8AC3E}">
-        <p14:creationId xmlns:p14="http://schemas.microsoft.com/office/powerpoint/2010/main" val="639805738"/>
-      </p:ext>
-    </p:extLst>
   </p:cSld>
   <p:clrMapOvr>
     <a:masterClrMapping/>
@@ -16251,7 +15315,7 @@
           <p:nvPr/>
         </p:nvPicPr>
         <p:blipFill>
-          <a:blip r:embed="rId2" cstate="print"/>
+          <a:blip r:embed="rId1" cstate="print"/>
           <a:srcRect/>
           <a:stretch>
             <a:fillRect/>
@@ -16283,7 +15347,7 @@
           <p:nvPr/>
         </p:nvPicPr>
         <p:blipFill>
-          <a:blip r:embed="rId3"/>
+          <a:blip r:embed="rId2"/>
           <a:stretch>
             <a:fillRect/>
           </a:stretch>
@@ -16299,11 +15363,6 @@
         </p:spPr>
       </p:pic>
     </p:spTree>
-    <p:extLst>
-      <p:ext uri="{BB962C8B-B14F-4D97-AF65-F5344CB8AC3E}">
-        <p14:creationId xmlns:p14="http://schemas.microsoft.com/office/powerpoint/2010/main" val="3880877939"/>
-      </p:ext>
-    </p:extLst>
   </p:cSld>
   <p:clrMapOvr>
     <a:masterClrMapping/>
@@ -16354,7 +15413,7 @@
     </a:clrScheme>
     <a:fontScheme name="Circuit">
       <a:majorFont>
-        <a:latin typeface="Tw Cen MT" panose="020B0602020104020603"/>
+        <a:latin typeface="Tw Cen MT"/>
         <a:ea typeface=""/>
         <a:cs typeface=""/>
         <a:font script="Jpan" typeface="ＭＳ Ｐゴシック"/>
@@ -16389,7 +15448,7 @@
         <a:font script="Geor" typeface="Sylfaen"/>
       </a:majorFont>
       <a:minorFont>
-        <a:latin typeface="Tw Cen MT" panose="020B0602020104020603"/>
+        <a:latin typeface="Tw Cen MT"/>
         <a:ea typeface=""/>
         <a:cs typeface=""/>
         <a:font script="Jpan" typeface="ＭＳ Ｐゴシック"/>
@@ -16547,16 +15606,16 @@
               </a:schemeClr>
             </a:duotone>
           </a:blip>
-          <a:stretch/>
+          <a:stretch>
+            <a:fillRect/>
+          </a:stretch>
         </a:blipFill>
       </a:bgFillStyleLst>
     </a:fmtScheme>
   </a:themeElements>
-  <a:objectDefaults/>
-  <a:extraClrSchemeLst/>
   <a:extLst>
     <a:ext uri="{05A4C25C-085E-4340-85A3-A5531E510DB2}">
-      <thm15:themeFamily xmlns:thm15="http://schemas.microsoft.com/office/thememl/2012/main" name="Circuit" id="{0AC2F7E7-15F5-431C-B2A2-456FE929F56C}" vid="{0911B802-464C-4241-8DD9-B60FF88E379F}"/>
+      <thm15:themeFamily xmlns:thm15="http://schemas.microsoft.com/office/thememl/2012/main" name="Office Theme" id="{62F939B6-93AF-4DB8-9C6B-D6C7DFDC589F}" vid="{4A3C46E8-61CC-4603-A589-7422A47A8E4A}"/>
     </a:ext>
   </a:extLst>
 </a:theme>
